--- a/提出用_最新/doc/概要報告書.pptx
+++ b/提出用_最新/doc/概要報告書.pptx
@@ -109,6 +109,22 @@
       </a:defRPr>
     </a:lvl9pPr>
   </p:defaultTextStyle>
+  <p:extLst>
+    <p:ext uri="{EFAFB233-063F-42B5-8137-9DF3F51BA10A}">
+      <p15:sldGuideLst xmlns:p15="http://schemas.microsoft.com/office/powerpoint/2012/main">
+        <p15:guide id="1" orient="horz" pos="2160">
+          <p15:clr>
+            <a:srgbClr val="A4A3A4"/>
+          </p15:clr>
+        </p15:guide>
+        <p15:guide id="2" pos="2880">
+          <p15:clr>
+            <a:srgbClr val="A4A3A4"/>
+          </p15:clr>
+        </p15:guide>
+      </p15:sldGuideLst>
+    </p:ext>
+  </p:extLst>
 </p:presentation>
 </file>
 
@@ -150,10 +166,9 @@
           <a:lstStyle/>
           <a:p>
             <a:r>
-              <a:rPr kumimoji="1" lang="ja-JP" altLang="en-US" smtClean="0"/>
+              <a:rPr kumimoji="1" lang="ja-JP" altLang="en-US"/>
               <a:t>マスタ タイトルの書式設定</a:t>
             </a:r>
-            <a:endParaRPr kumimoji="1" lang="ja-JP" altLang="en-US"/>
           </a:p>
         </p:txBody>
       </p:sp>
@@ -269,10 +284,9 @@
           </a:lstStyle>
           <a:p>
             <a:r>
-              <a:rPr kumimoji="1" lang="ja-JP" altLang="en-US" smtClean="0"/>
+              <a:rPr kumimoji="1" lang="ja-JP" altLang="en-US"/>
               <a:t>マスタ サブタイトルの書式設定</a:t>
             </a:r>
-            <a:endParaRPr kumimoji="1" lang="ja-JP" altLang="en-US"/>
           </a:p>
         </p:txBody>
       </p:sp>
@@ -335,7 +349,7 @@
           <a:p>
             <a:fld id="{4A4AE12C-491A-4713-A5BE-7CD117A12C59}" type="slidenum">
               <a:rPr kumimoji="1" lang="ja-JP" altLang="en-US" smtClean="0"/>
-              <a:t>&lt;#&gt;</a:t>
+              <a:t>‹#›</a:t>
             </a:fld>
             <a:endParaRPr kumimoji="1" lang="ja-JP" altLang="en-US"/>
           </a:p>
@@ -382,10 +396,9 @@
           <a:lstStyle/>
           <a:p>
             <a:r>
-              <a:rPr kumimoji="1" lang="ja-JP" altLang="en-US" smtClean="0"/>
+              <a:rPr kumimoji="1" lang="ja-JP" altLang="en-US"/>
               <a:t>マスタ タイトルの書式設定</a:t>
             </a:r>
-            <a:endParaRPr kumimoji="1" lang="ja-JP" altLang="en-US"/>
           </a:p>
         </p:txBody>
       </p:sp>
@@ -406,70 +419,69 @@
           <a:p>
             <a:pPr lvl="0"/>
             <a:r>
-              <a:rPr kumimoji="1" lang="ja-JP" altLang="en-US" smtClean="0"/>
+              <a:rPr kumimoji="1" lang="ja-JP" altLang="en-US"/>
               <a:t>マスタ テキストの書式設定</a:t>
             </a:r>
           </a:p>
           <a:p>
             <a:pPr lvl="1"/>
             <a:r>
-              <a:rPr kumimoji="1" lang="ja-JP" altLang="en-US" smtClean="0"/>
+              <a:rPr kumimoji="1" lang="ja-JP" altLang="en-US"/>
               <a:t>第 </a:t>
             </a:r>
             <a:r>
-              <a:rPr kumimoji="1" lang="en-US" altLang="ja-JP" smtClean="0"/>
+              <a:rPr kumimoji="1" lang="en-US" altLang="ja-JP"/>
               <a:t>2 </a:t>
             </a:r>
             <a:r>
-              <a:rPr kumimoji="1" lang="ja-JP" altLang="en-US" smtClean="0"/>
+              <a:rPr kumimoji="1" lang="ja-JP" altLang="en-US"/>
               <a:t>レベル</a:t>
             </a:r>
           </a:p>
           <a:p>
             <a:pPr lvl="2"/>
             <a:r>
-              <a:rPr kumimoji="1" lang="ja-JP" altLang="en-US" smtClean="0"/>
+              <a:rPr kumimoji="1" lang="ja-JP" altLang="en-US"/>
               <a:t>第 </a:t>
             </a:r>
             <a:r>
-              <a:rPr kumimoji="1" lang="en-US" altLang="ja-JP" smtClean="0"/>
+              <a:rPr kumimoji="1" lang="en-US" altLang="ja-JP"/>
               <a:t>3 </a:t>
             </a:r>
             <a:r>
-              <a:rPr kumimoji="1" lang="ja-JP" altLang="en-US" smtClean="0"/>
+              <a:rPr kumimoji="1" lang="ja-JP" altLang="en-US"/>
               <a:t>レベル</a:t>
             </a:r>
           </a:p>
           <a:p>
             <a:pPr lvl="3"/>
             <a:r>
-              <a:rPr kumimoji="1" lang="ja-JP" altLang="en-US" smtClean="0"/>
+              <a:rPr kumimoji="1" lang="ja-JP" altLang="en-US"/>
               <a:t>第 </a:t>
             </a:r>
             <a:r>
-              <a:rPr kumimoji="1" lang="en-US" altLang="ja-JP" smtClean="0"/>
+              <a:rPr kumimoji="1" lang="en-US" altLang="ja-JP"/>
               <a:t>4 </a:t>
             </a:r>
             <a:r>
-              <a:rPr kumimoji="1" lang="ja-JP" altLang="en-US" smtClean="0"/>
+              <a:rPr kumimoji="1" lang="ja-JP" altLang="en-US"/>
               <a:t>レベル</a:t>
             </a:r>
           </a:p>
           <a:p>
             <a:pPr lvl="4"/>
             <a:r>
-              <a:rPr kumimoji="1" lang="ja-JP" altLang="en-US" smtClean="0"/>
+              <a:rPr kumimoji="1" lang="ja-JP" altLang="en-US"/>
               <a:t>第 </a:t>
             </a:r>
             <a:r>
-              <a:rPr kumimoji="1" lang="en-US" altLang="ja-JP" smtClean="0"/>
+              <a:rPr kumimoji="1" lang="en-US" altLang="ja-JP"/>
               <a:t>5 </a:t>
             </a:r>
             <a:r>
-              <a:rPr kumimoji="1" lang="ja-JP" altLang="en-US" smtClean="0"/>
+              <a:rPr kumimoji="1" lang="ja-JP" altLang="en-US"/>
               <a:t>レベル</a:t>
             </a:r>
-            <a:endParaRPr kumimoji="1" lang="ja-JP" altLang="en-US"/>
           </a:p>
         </p:txBody>
       </p:sp>
@@ -532,7 +544,7 @@
           <a:p>
             <a:fld id="{4A4AE12C-491A-4713-A5BE-7CD117A12C59}" type="slidenum">
               <a:rPr kumimoji="1" lang="ja-JP" altLang="en-US" smtClean="0"/>
-              <a:t>&lt;#&gt;</a:t>
+              <a:t>‹#›</a:t>
             </a:fld>
             <a:endParaRPr kumimoji="1" lang="ja-JP" altLang="en-US"/>
           </a:p>
@@ -584,10 +596,9 @@
           <a:lstStyle/>
           <a:p>
             <a:r>
-              <a:rPr kumimoji="1" lang="ja-JP" altLang="en-US" smtClean="0"/>
+              <a:rPr kumimoji="1" lang="ja-JP" altLang="en-US"/>
               <a:t>マスタ タイトルの書式設定</a:t>
             </a:r>
-            <a:endParaRPr kumimoji="1" lang="ja-JP" altLang="en-US"/>
           </a:p>
         </p:txBody>
       </p:sp>
@@ -613,70 +624,69 @@
           <a:p>
             <a:pPr lvl="0"/>
             <a:r>
-              <a:rPr kumimoji="1" lang="ja-JP" altLang="en-US" smtClean="0"/>
+              <a:rPr kumimoji="1" lang="ja-JP" altLang="en-US"/>
               <a:t>マスタ テキストの書式設定</a:t>
             </a:r>
           </a:p>
           <a:p>
             <a:pPr lvl="1"/>
             <a:r>
-              <a:rPr kumimoji="1" lang="ja-JP" altLang="en-US" smtClean="0"/>
+              <a:rPr kumimoji="1" lang="ja-JP" altLang="en-US"/>
               <a:t>第 </a:t>
             </a:r>
             <a:r>
-              <a:rPr kumimoji="1" lang="en-US" altLang="ja-JP" smtClean="0"/>
+              <a:rPr kumimoji="1" lang="en-US" altLang="ja-JP"/>
               <a:t>2 </a:t>
             </a:r>
             <a:r>
-              <a:rPr kumimoji="1" lang="ja-JP" altLang="en-US" smtClean="0"/>
+              <a:rPr kumimoji="1" lang="ja-JP" altLang="en-US"/>
               <a:t>レベル</a:t>
             </a:r>
           </a:p>
           <a:p>
             <a:pPr lvl="2"/>
             <a:r>
-              <a:rPr kumimoji="1" lang="ja-JP" altLang="en-US" smtClean="0"/>
+              <a:rPr kumimoji="1" lang="ja-JP" altLang="en-US"/>
               <a:t>第 </a:t>
             </a:r>
             <a:r>
-              <a:rPr kumimoji="1" lang="en-US" altLang="ja-JP" smtClean="0"/>
+              <a:rPr kumimoji="1" lang="en-US" altLang="ja-JP"/>
               <a:t>3 </a:t>
             </a:r>
             <a:r>
-              <a:rPr kumimoji="1" lang="ja-JP" altLang="en-US" smtClean="0"/>
+              <a:rPr kumimoji="1" lang="ja-JP" altLang="en-US"/>
               <a:t>レベル</a:t>
             </a:r>
           </a:p>
           <a:p>
             <a:pPr lvl="3"/>
             <a:r>
-              <a:rPr kumimoji="1" lang="ja-JP" altLang="en-US" smtClean="0"/>
+              <a:rPr kumimoji="1" lang="ja-JP" altLang="en-US"/>
               <a:t>第 </a:t>
             </a:r>
             <a:r>
-              <a:rPr kumimoji="1" lang="en-US" altLang="ja-JP" smtClean="0"/>
+              <a:rPr kumimoji="1" lang="en-US" altLang="ja-JP"/>
               <a:t>4 </a:t>
             </a:r>
             <a:r>
-              <a:rPr kumimoji="1" lang="ja-JP" altLang="en-US" smtClean="0"/>
+              <a:rPr kumimoji="1" lang="ja-JP" altLang="en-US"/>
               <a:t>レベル</a:t>
             </a:r>
           </a:p>
           <a:p>
             <a:pPr lvl="4"/>
             <a:r>
-              <a:rPr kumimoji="1" lang="ja-JP" altLang="en-US" smtClean="0"/>
+              <a:rPr kumimoji="1" lang="ja-JP" altLang="en-US"/>
               <a:t>第 </a:t>
             </a:r>
             <a:r>
-              <a:rPr kumimoji="1" lang="en-US" altLang="ja-JP" smtClean="0"/>
+              <a:rPr kumimoji="1" lang="en-US" altLang="ja-JP"/>
               <a:t>5 </a:t>
             </a:r>
             <a:r>
-              <a:rPr kumimoji="1" lang="ja-JP" altLang="en-US" smtClean="0"/>
+              <a:rPr kumimoji="1" lang="ja-JP" altLang="en-US"/>
               <a:t>レベル</a:t>
             </a:r>
-            <a:endParaRPr kumimoji="1" lang="ja-JP" altLang="en-US"/>
           </a:p>
         </p:txBody>
       </p:sp>
@@ -739,7 +749,7 @@
           <a:p>
             <a:fld id="{4A4AE12C-491A-4713-A5BE-7CD117A12C59}" type="slidenum">
               <a:rPr kumimoji="1" lang="ja-JP" altLang="en-US" smtClean="0"/>
-              <a:t>&lt;#&gt;</a:t>
+              <a:t>‹#›</a:t>
             </a:fld>
             <a:endParaRPr kumimoji="1" lang="ja-JP" altLang="en-US"/>
           </a:p>
@@ -786,10 +796,9 @@
           <a:lstStyle/>
           <a:p>
             <a:r>
-              <a:rPr kumimoji="1" lang="ja-JP" altLang="en-US" smtClean="0"/>
+              <a:rPr kumimoji="1" lang="ja-JP" altLang="en-US"/>
               <a:t>マスタ タイトルの書式設定</a:t>
             </a:r>
-            <a:endParaRPr kumimoji="1" lang="ja-JP" altLang="en-US"/>
           </a:p>
         </p:txBody>
       </p:sp>
@@ -810,70 +819,69 @@
           <a:p>
             <a:pPr lvl="0"/>
             <a:r>
-              <a:rPr kumimoji="1" lang="ja-JP" altLang="en-US" smtClean="0"/>
+              <a:rPr kumimoji="1" lang="ja-JP" altLang="en-US"/>
               <a:t>マスタ テキストの書式設定</a:t>
             </a:r>
           </a:p>
           <a:p>
             <a:pPr lvl="1"/>
             <a:r>
-              <a:rPr kumimoji="1" lang="ja-JP" altLang="en-US" smtClean="0"/>
+              <a:rPr kumimoji="1" lang="ja-JP" altLang="en-US"/>
               <a:t>第 </a:t>
             </a:r>
             <a:r>
-              <a:rPr kumimoji="1" lang="en-US" altLang="ja-JP" smtClean="0"/>
+              <a:rPr kumimoji="1" lang="en-US" altLang="ja-JP"/>
               <a:t>2 </a:t>
             </a:r>
             <a:r>
-              <a:rPr kumimoji="1" lang="ja-JP" altLang="en-US" smtClean="0"/>
+              <a:rPr kumimoji="1" lang="ja-JP" altLang="en-US"/>
               <a:t>レベル</a:t>
             </a:r>
           </a:p>
           <a:p>
             <a:pPr lvl="2"/>
             <a:r>
-              <a:rPr kumimoji="1" lang="ja-JP" altLang="en-US" smtClean="0"/>
+              <a:rPr kumimoji="1" lang="ja-JP" altLang="en-US"/>
               <a:t>第 </a:t>
             </a:r>
             <a:r>
-              <a:rPr kumimoji="1" lang="en-US" altLang="ja-JP" smtClean="0"/>
+              <a:rPr kumimoji="1" lang="en-US" altLang="ja-JP"/>
               <a:t>3 </a:t>
             </a:r>
             <a:r>
-              <a:rPr kumimoji="1" lang="ja-JP" altLang="en-US" smtClean="0"/>
+              <a:rPr kumimoji="1" lang="ja-JP" altLang="en-US"/>
               <a:t>レベル</a:t>
             </a:r>
           </a:p>
           <a:p>
             <a:pPr lvl="3"/>
             <a:r>
-              <a:rPr kumimoji="1" lang="ja-JP" altLang="en-US" smtClean="0"/>
+              <a:rPr kumimoji="1" lang="ja-JP" altLang="en-US"/>
               <a:t>第 </a:t>
             </a:r>
             <a:r>
-              <a:rPr kumimoji="1" lang="en-US" altLang="ja-JP" smtClean="0"/>
+              <a:rPr kumimoji="1" lang="en-US" altLang="ja-JP"/>
               <a:t>4 </a:t>
             </a:r>
             <a:r>
-              <a:rPr kumimoji="1" lang="ja-JP" altLang="en-US" smtClean="0"/>
+              <a:rPr kumimoji="1" lang="ja-JP" altLang="en-US"/>
               <a:t>レベル</a:t>
             </a:r>
           </a:p>
           <a:p>
             <a:pPr lvl="4"/>
             <a:r>
-              <a:rPr kumimoji="1" lang="ja-JP" altLang="en-US" smtClean="0"/>
+              <a:rPr kumimoji="1" lang="ja-JP" altLang="en-US"/>
               <a:t>第 </a:t>
             </a:r>
             <a:r>
-              <a:rPr kumimoji="1" lang="en-US" altLang="ja-JP" smtClean="0"/>
+              <a:rPr kumimoji="1" lang="en-US" altLang="ja-JP"/>
               <a:t>5 </a:t>
             </a:r>
             <a:r>
-              <a:rPr kumimoji="1" lang="ja-JP" altLang="en-US" smtClean="0"/>
+              <a:rPr kumimoji="1" lang="ja-JP" altLang="en-US"/>
               <a:t>レベル</a:t>
             </a:r>
-            <a:endParaRPr kumimoji="1" lang="ja-JP" altLang="en-US"/>
           </a:p>
         </p:txBody>
       </p:sp>
@@ -936,7 +944,7 @@
           <a:p>
             <a:fld id="{4A4AE12C-491A-4713-A5BE-7CD117A12C59}" type="slidenum">
               <a:rPr kumimoji="1" lang="ja-JP" altLang="en-US" smtClean="0"/>
-              <a:t>&lt;#&gt;</a:t>
+              <a:t>‹#›</a:t>
             </a:fld>
             <a:endParaRPr kumimoji="1" lang="ja-JP" altLang="en-US"/>
           </a:p>
@@ -992,10 +1000,9 @@
           </a:lstStyle>
           <a:p>
             <a:r>
-              <a:rPr kumimoji="1" lang="ja-JP" altLang="en-US" smtClean="0"/>
+              <a:rPr kumimoji="1" lang="ja-JP" altLang="en-US"/>
               <a:t>マスタ タイトルの書式設定</a:t>
             </a:r>
-            <a:endParaRPr kumimoji="1" lang="ja-JP" altLang="en-US"/>
           </a:p>
         </p:txBody>
       </p:sp>
@@ -1112,7 +1119,7 @@
           <a:p>
             <a:pPr lvl="0"/>
             <a:r>
-              <a:rPr kumimoji="1" lang="ja-JP" altLang="en-US" smtClean="0"/>
+              <a:rPr kumimoji="1" lang="ja-JP" altLang="en-US"/>
               <a:t>マスタ テキストの書式設定</a:t>
             </a:r>
           </a:p>
@@ -1177,7 +1184,7 @@
           <a:p>
             <a:fld id="{4A4AE12C-491A-4713-A5BE-7CD117A12C59}" type="slidenum">
               <a:rPr kumimoji="1" lang="ja-JP" altLang="en-US" smtClean="0"/>
-              <a:t>&lt;#&gt;</a:t>
+              <a:t>‹#›</a:t>
             </a:fld>
             <a:endParaRPr kumimoji="1" lang="ja-JP" altLang="en-US"/>
           </a:p>
@@ -1224,10 +1231,9 @@
           <a:lstStyle/>
           <a:p>
             <a:r>
-              <a:rPr kumimoji="1" lang="ja-JP" altLang="en-US" smtClean="0"/>
+              <a:rPr kumimoji="1" lang="ja-JP" altLang="en-US"/>
               <a:t>マスタ タイトルの書式設定</a:t>
             </a:r>
-            <a:endParaRPr kumimoji="1" lang="ja-JP" altLang="en-US"/>
           </a:p>
         </p:txBody>
       </p:sp>
@@ -1281,70 +1287,69 @@
           <a:p>
             <a:pPr lvl="0"/>
             <a:r>
-              <a:rPr kumimoji="1" lang="ja-JP" altLang="en-US" smtClean="0"/>
+              <a:rPr kumimoji="1" lang="ja-JP" altLang="en-US"/>
               <a:t>マスタ テキストの書式設定</a:t>
             </a:r>
           </a:p>
           <a:p>
             <a:pPr lvl="1"/>
             <a:r>
-              <a:rPr kumimoji="1" lang="ja-JP" altLang="en-US" smtClean="0"/>
+              <a:rPr kumimoji="1" lang="ja-JP" altLang="en-US"/>
               <a:t>第 </a:t>
             </a:r>
             <a:r>
-              <a:rPr kumimoji="1" lang="en-US" altLang="ja-JP" smtClean="0"/>
+              <a:rPr kumimoji="1" lang="en-US" altLang="ja-JP"/>
               <a:t>2 </a:t>
             </a:r>
             <a:r>
-              <a:rPr kumimoji="1" lang="ja-JP" altLang="en-US" smtClean="0"/>
+              <a:rPr kumimoji="1" lang="ja-JP" altLang="en-US"/>
               <a:t>レベル</a:t>
             </a:r>
           </a:p>
           <a:p>
             <a:pPr lvl="2"/>
             <a:r>
-              <a:rPr kumimoji="1" lang="ja-JP" altLang="en-US" smtClean="0"/>
+              <a:rPr kumimoji="1" lang="ja-JP" altLang="en-US"/>
               <a:t>第 </a:t>
             </a:r>
             <a:r>
-              <a:rPr kumimoji="1" lang="en-US" altLang="ja-JP" smtClean="0"/>
+              <a:rPr kumimoji="1" lang="en-US" altLang="ja-JP"/>
               <a:t>3 </a:t>
             </a:r>
             <a:r>
-              <a:rPr kumimoji="1" lang="ja-JP" altLang="en-US" smtClean="0"/>
+              <a:rPr kumimoji="1" lang="ja-JP" altLang="en-US"/>
               <a:t>レベル</a:t>
             </a:r>
           </a:p>
           <a:p>
             <a:pPr lvl="3"/>
             <a:r>
-              <a:rPr kumimoji="1" lang="ja-JP" altLang="en-US" smtClean="0"/>
+              <a:rPr kumimoji="1" lang="ja-JP" altLang="en-US"/>
               <a:t>第 </a:t>
             </a:r>
             <a:r>
-              <a:rPr kumimoji="1" lang="en-US" altLang="ja-JP" smtClean="0"/>
+              <a:rPr kumimoji="1" lang="en-US" altLang="ja-JP"/>
               <a:t>4 </a:t>
             </a:r>
             <a:r>
-              <a:rPr kumimoji="1" lang="ja-JP" altLang="en-US" smtClean="0"/>
+              <a:rPr kumimoji="1" lang="ja-JP" altLang="en-US"/>
               <a:t>レベル</a:t>
             </a:r>
           </a:p>
           <a:p>
             <a:pPr lvl="4"/>
             <a:r>
-              <a:rPr kumimoji="1" lang="ja-JP" altLang="en-US" smtClean="0"/>
+              <a:rPr kumimoji="1" lang="ja-JP" altLang="en-US"/>
               <a:t>第 </a:t>
             </a:r>
             <a:r>
-              <a:rPr kumimoji="1" lang="en-US" altLang="ja-JP" smtClean="0"/>
+              <a:rPr kumimoji="1" lang="en-US" altLang="ja-JP"/>
               <a:t>5 </a:t>
             </a:r>
             <a:r>
-              <a:rPr kumimoji="1" lang="ja-JP" altLang="en-US" smtClean="0"/>
+              <a:rPr kumimoji="1" lang="ja-JP" altLang="en-US"/>
               <a:t>レベル</a:t>
             </a:r>
-            <a:endParaRPr kumimoji="1" lang="ja-JP" altLang="en-US"/>
           </a:p>
         </p:txBody>
       </p:sp>
@@ -1398,70 +1403,69 @@
           <a:p>
             <a:pPr lvl="0"/>
             <a:r>
-              <a:rPr kumimoji="1" lang="ja-JP" altLang="en-US" smtClean="0"/>
+              <a:rPr kumimoji="1" lang="ja-JP" altLang="en-US"/>
               <a:t>マスタ テキストの書式設定</a:t>
             </a:r>
           </a:p>
           <a:p>
             <a:pPr lvl="1"/>
             <a:r>
-              <a:rPr kumimoji="1" lang="ja-JP" altLang="en-US" smtClean="0"/>
+              <a:rPr kumimoji="1" lang="ja-JP" altLang="en-US"/>
               <a:t>第 </a:t>
             </a:r>
             <a:r>
-              <a:rPr kumimoji="1" lang="en-US" altLang="ja-JP" smtClean="0"/>
+              <a:rPr kumimoji="1" lang="en-US" altLang="ja-JP"/>
               <a:t>2 </a:t>
             </a:r>
             <a:r>
-              <a:rPr kumimoji="1" lang="ja-JP" altLang="en-US" smtClean="0"/>
+              <a:rPr kumimoji="1" lang="ja-JP" altLang="en-US"/>
               <a:t>レベル</a:t>
             </a:r>
           </a:p>
           <a:p>
             <a:pPr lvl="2"/>
             <a:r>
-              <a:rPr kumimoji="1" lang="ja-JP" altLang="en-US" smtClean="0"/>
+              <a:rPr kumimoji="1" lang="ja-JP" altLang="en-US"/>
               <a:t>第 </a:t>
             </a:r>
             <a:r>
-              <a:rPr kumimoji="1" lang="en-US" altLang="ja-JP" smtClean="0"/>
+              <a:rPr kumimoji="1" lang="en-US" altLang="ja-JP"/>
               <a:t>3 </a:t>
             </a:r>
             <a:r>
-              <a:rPr kumimoji="1" lang="ja-JP" altLang="en-US" smtClean="0"/>
+              <a:rPr kumimoji="1" lang="ja-JP" altLang="en-US"/>
               <a:t>レベル</a:t>
             </a:r>
           </a:p>
           <a:p>
             <a:pPr lvl="3"/>
             <a:r>
-              <a:rPr kumimoji="1" lang="ja-JP" altLang="en-US" smtClean="0"/>
+              <a:rPr kumimoji="1" lang="ja-JP" altLang="en-US"/>
               <a:t>第 </a:t>
             </a:r>
             <a:r>
-              <a:rPr kumimoji="1" lang="en-US" altLang="ja-JP" smtClean="0"/>
+              <a:rPr kumimoji="1" lang="en-US" altLang="ja-JP"/>
               <a:t>4 </a:t>
             </a:r>
             <a:r>
-              <a:rPr kumimoji="1" lang="ja-JP" altLang="en-US" smtClean="0"/>
+              <a:rPr kumimoji="1" lang="ja-JP" altLang="en-US"/>
               <a:t>レベル</a:t>
             </a:r>
           </a:p>
           <a:p>
             <a:pPr lvl="4"/>
             <a:r>
-              <a:rPr kumimoji="1" lang="ja-JP" altLang="en-US" smtClean="0"/>
+              <a:rPr kumimoji="1" lang="ja-JP" altLang="en-US"/>
               <a:t>第 </a:t>
             </a:r>
             <a:r>
-              <a:rPr kumimoji="1" lang="en-US" altLang="ja-JP" smtClean="0"/>
+              <a:rPr kumimoji="1" lang="en-US" altLang="ja-JP"/>
               <a:t>5 </a:t>
             </a:r>
             <a:r>
-              <a:rPr kumimoji="1" lang="ja-JP" altLang="en-US" smtClean="0"/>
+              <a:rPr kumimoji="1" lang="ja-JP" altLang="en-US"/>
               <a:t>レベル</a:t>
             </a:r>
-            <a:endParaRPr kumimoji="1" lang="ja-JP" altLang="en-US"/>
           </a:p>
         </p:txBody>
       </p:sp>
@@ -1524,7 +1528,7 @@
           <a:p>
             <a:fld id="{4A4AE12C-491A-4713-A5BE-7CD117A12C59}" type="slidenum">
               <a:rPr kumimoji="1" lang="ja-JP" altLang="en-US" smtClean="0"/>
-              <a:t>&lt;#&gt;</a:t>
+              <a:t>‹#›</a:t>
             </a:fld>
             <a:endParaRPr kumimoji="1" lang="ja-JP" altLang="en-US"/>
           </a:p>
@@ -1575,10 +1579,9 @@
           </a:lstStyle>
           <a:p>
             <a:r>
-              <a:rPr kumimoji="1" lang="ja-JP" altLang="en-US" smtClean="0"/>
+              <a:rPr kumimoji="1" lang="ja-JP" altLang="en-US"/>
               <a:t>マスタ タイトルの書式設定</a:t>
             </a:r>
-            <a:endParaRPr kumimoji="1" lang="ja-JP" altLang="en-US"/>
           </a:p>
         </p:txBody>
       </p:sp>
@@ -1641,7 +1644,7 @@
           <a:p>
             <a:pPr lvl="0"/>
             <a:r>
-              <a:rPr kumimoji="1" lang="ja-JP" altLang="en-US" smtClean="0"/>
+              <a:rPr kumimoji="1" lang="ja-JP" altLang="en-US"/>
               <a:t>マスタ テキストの書式設定</a:t>
             </a:r>
           </a:p>
@@ -1697,70 +1700,69 @@
           <a:p>
             <a:pPr lvl="0"/>
             <a:r>
-              <a:rPr kumimoji="1" lang="ja-JP" altLang="en-US" smtClean="0"/>
+              <a:rPr kumimoji="1" lang="ja-JP" altLang="en-US"/>
               <a:t>マスタ テキストの書式設定</a:t>
             </a:r>
           </a:p>
           <a:p>
             <a:pPr lvl="1"/>
             <a:r>
-              <a:rPr kumimoji="1" lang="ja-JP" altLang="en-US" smtClean="0"/>
+              <a:rPr kumimoji="1" lang="ja-JP" altLang="en-US"/>
               <a:t>第 </a:t>
             </a:r>
             <a:r>
-              <a:rPr kumimoji="1" lang="en-US" altLang="ja-JP" smtClean="0"/>
+              <a:rPr kumimoji="1" lang="en-US" altLang="ja-JP"/>
               <a:t>2 </a:t>
             </a:r>
             <a:r>
-              <a:rPr kumimoji="1" lang="ja-JP" altLang="en-US" smtClean="0"/>
+              <a:rPr kumimoji="1" lang="ja-JP" altLang="en-US"/>
               <a:t>レベル</a:t>
             </a:r>
           </a:p>
           <a:p>
             <a:pPr lvl="2"/>
             <a:r>
-              <a:rPr kumimoji="1" lang="ja-JP" altLang="en-US" smtClean="0"/>
+              <a:rPr kumimoji="1" lang="ja-JP" altLang="en-US"/>
               <a:t>第 </a:t>
             </a:r>
             <a:r>
-              <a:rPr kumimoji="1" lang="en-US" altLang="ja-JP" smtClean="0"/>
+              <a:rPr kumimoji="1" lang="en-US" altLang="ja-JP"/>
               <a:t>3 </a:t>
             </a:r>
             <a:r>
-              <a:rPr kumimoji="1" lang="ja-JP" altLang="en-US" smtClean="0"/>
+              <a:rPr kumimoji="1" lang="ja-JP" altLang="en-US"/>
               <a:t>レベル</a:t>
             </a:r>
           </a:p>
           <a:p>
             <a:pPr lvl="3"/>
             <a:r>
-              <a:rPr kumimoji="1" lang="ja-JP" altLang="en-US" smtClean="0"/>
+              <a:rPr kumimoji="1" lang="ja-JP" altLang="en-US"/>
               <a:t>第 </a:t>
             </a:r>
             <a:r>
-              <a:rPr kumimoji="1" lang="en-US" altLang="ja-JP" smtClean="0"/>
+              <a:rPr kumimoji="1" lang="en-US" altLang="ja-JP"/>
               <a:t>4 </a:t>
             </a:r>
             <a:r>
-              <a:rPr kumimoji="1" lang="ja-JP" altLang="en-US" smtClean="0"/>
+              <a:rPr kumimoji="1" lang="ja-JP" altLang="en-US"/>
               <a:t>レベル</a:t>
             </a:r>
           </a:p>
           <a:p>
             <a:pPr lvl="4"/>
             <a:r>
-              <a:rPr kumimoji="1" lang="ja-JP" altLang="en-US" smtClean="0"/>
+              <a:rPr kumimoji="1" lang="ja-JP" altLang="en-US"/>
               <a:t>第 </a:t>
             </a:r>
             <a:r>
-              <a:rPr kumimoji="1" lang="en-US" altLang="ja-JP" smtClean="0"/>
+              <a:rPr kumimoji="1" lang="en-US" altLang="ja-JP"/>
               <a:t>5 </a:t>
             </a:r>
             <a:r>
-              <a:rPr kumimoji="1" lang="ja-JP" altLang="en-US" smtClean="0"/>
+              <a:rPr kumimoji="1" lang="ja-JP" altLang="en-US"/>
               <a:t>レベル</a:t>
             </a:r>
-            <a:endParaRPr kumimoji="1" lang="ja-JP" altLang="en-US"/>
           </a:p>
         </p:txBody>
       </p:sp>
@@ -1823,7 +1825,7 @@
           <a:p>
             <a:pPr lvl="0"/>
             <a:r>
-              <a:rPr kumimoji="1" lang="ja-JP" altLang="en-US" smtClean="0"/>
+              <a:rPr kumimoji="1" lang="ja-JP" altLang="en-US"/>
               <a:t>マスタ テキストの書式設定</a:t>
             </a:r>
           </a:p>
@@ -1879,70 +1881,69 @@
           <a:p>
             <a:pPr lvl="0"/>
             <a:r>
-              <a:rPr kumimoji="1" lang="ja-JP" altLang="en-US" smtClean="0"/>
+              <a:rPr kumimoji="1" lang="ja-JP" altLang="en-US"/>
               <a:t>マスタ テキストの書式設定</a:t>
             </a:r>
           </a:p>
           <a:p>
             <a:pPr lvl="1"/>
             <a:r>
-              <a:rPr kumimoji="1" lang="ja-JP" altLang="en-US" smtClean="0"/>
+              <a:rPr kumimoji="1" lang="ja-JP" altLang="en-US"/>
               <a:t>第 </a:t>
             </a:r>
             <a:r>
-              <a:rPr kumimoji="1" lang="en-US" altLang="ja-JP" smtClean="0"/>
+              <a:rPr kumimoji="1" lang="en-US" altLang="ja-JP"/>
               <a:t>2 </a:t>
             </a:r>
             <a:r>
-              <a:rPr kumimoji="1" lang="ja-JP" altLang="en-US" smtClean="0"/>
+              <a:rPr kumimoji="1" lang="ja-JP" altLang="en-US"/>
               <a:t>レベル</a:t>
             </a:r>
           </a:p>
           <a:p>
             <a:pPr lvl="2"/>
             <a:r>
-              <a:rPr kumimoji="1" lang="ja-JP" altLang="en-US" smtClean="0"/>
+              <a:rPr kumimoji="1" lang="ja-JP" altLang="en-US"/>
               <a:t>第 </a:t>
             </a:r>
             <a:r>
-              <a:rPr kumimoji="1" lang="en-US" altLang="ja-JP" smtClean="0"/>
+              <a:rPr kumimoji="1" lang="en-US" altLang="ja-JP"/>
               <a:t>3 </a:t>
             </a:r>
             <a:r>
-              <a:rPr kumimoji="1" lang="ja-JP" altLang="en-US" smtClean="0"/>
+              <a:rPr kumimoji="1" lang="ja-JP" altLang="en-US"/>
               <a:t>レベル</a:t>
             </a:r>
           </a:p>
           <a:p>
             <a:pPr lvl="3"/>
             <a:r>
-              <a:rPr kumimoji="1" lang="ja-JP" altLang="en-US" smtClean="0"/>
+              <a:rPr kumimoji="1" lang="ja-JP" altLang="en-US"/>
               <a:t>第 </a:t>
             </a:r>
             <a:r>
-              <a:rPr kumimoji="1" lang="en-US" altLang="ja-JP" smtClean="0"/>
+              <a:rPr kumimoji="1" lang="en-US" altLang="ja-JP"/>
               <a:t>4 </a:t>
             </a:r>
             <a:r>
-              <a:rPr kumimoji="1" lang="ja-JP" altLang="en-US" smtClean="0"/>
+              <a:rPr kumimoji="1" lang="ja-JP" altLang="en-US"/>
               <a:t>レベル</a:t>
             </a:r>
           </a:p>
           <a:p>
             <a:pPr lvl="4"/>
             <a:r>
-              <a:rPr kumimoji="1" lang="ja-JP" altLang="en-US" smtClean="0"/>
+              <a:rPr kumimoji="1" lang="ja-JP" altLang="en-US"/>
               <a:t>第 </a:t>
             </a:r>
             <a:r>
-              <a:rPr kumimoji="1" lang="en-US" altLang="ja-JP" smtClean="0"/>
+              <a:rPr kumimoji="1" lang="en-US" altLang="ja-JP"/>
               <a:t>5 </a:t>
             </a:r>
             <a:r>
-              <a:rPr kumimoji="1" lang="ja-JP" altLang="en-US" smtClean="0"/>
+              <a:rPr kumimoji="1" lang="ja-JP" altLang="en-US"/>
               <a:t>レベル</a:t>
             </a:r>
-            <a:endParaRPr kumimoji="1" lang="ja-JP" altLang="en-US"/>
           </a:p>
         </p:txBody>
       </p:sp>
@@ -2005,7 +2006,7 @@
           <a:p>
             <a:fld id="{4A4AE12C-491A-4713-A5BE-7CD117A12C59}" type="slidenum">
               <a:rPr kumimoji="1" lang="ja-JP" altLang="en-US" smtClean="0"/>
-              <a:t>&lt;#&gt;</a:t>
+              <a:t>‹#›</a:t>
             </a:fld>
             <a:endParaRPr kumimoji="1" lang="ja-JP" altLang="en-US"/>
           </a:p>
@@ -2052,10 +2053,9 @@
           <a:lstStyle/>
           <a:p>
             <a:r>
-              <a:rPr kumimoji="1" lang="ja-JP" altLang="en-US" smtClean="0"/>
+              <a:rPr kumimoji="1" lang="ja-JP" altLang="en-US"/>
               <a:t>マスタ タイトルの書式設定</a:t>
             </a:r>
-            <a:endParaRPr kumimoji="1" lang="ja-JP" altLang="en-US"/>
           </a:p>
         </p:txBody>
       </p:sp>
@@ -2118,7 +2118,7 @@
           <a:p>
             <a:fld id="{4A4AE12C-491A-4713-A5BE-7CD117A12C59}" type="slidenum">
               <a:rPr kumimoji="1" lang="ja-JP" altLang="en-US" smtClean="0"/>
-              <a:t>&lt;#&gt;</a:t>
+              <a:t>‹#›</a:t>
             </a:fld>
             <a:endParaRPr kumimoji="1" lang="ja-JP" altLang="en-US"/>
           </a:p>
@@ -2208,7 +2208,7 @@
           <a:p>
             <a:fld id="{4A4AE12C-491A-4713-A5BE-7CD117A12C59}" type="slidenum">
               <a:rPr kumimoji="1" lang="ja-JP" altLang="en-US" smtClean="0"/>
-              <a:t>&lt;#&gt;</a:t>
+              <a:t>‹#›</a:t>
             </a:fld>
             <a:endParaRPr kumimoji="1" lang="ja-JP" altLang="en-US"/>
           </a:p>
@@ -2264,10 +2264,9 @@
           </a:lstStyle>
           <a:p>
             <a:r>
-              <a:rPr kumimoji="1" lang="ja-JP" altLang="en-US" smtClean="0"/>
+              <a:rPr kumimoji="1" lang="ja-JP" altLang="en-US"/>
               <a:t>マスタ タイトルの書式設定</a:t>
             </a:r>
-            <a:endParaRPr kumimoji="1" lang="ja-JP" altLang="en-US"/>
           </a:p>
         </p:txBody>
       </p:sp>
@@ -2321,70 +2320,69 @@
           <a:p>
             <a:pPr lvl="0"/>
             <a:r>
-              <a:rPr kumimoji="1" lang="ja-JP" altLang="en-US" smtClean="0"/>
+              <a:rPr kumimoji="1" lang="ja-JP" altLang="en-US"/>
               <a:t>マスタ テキストの書式設定</a:t>
             </a:r>
           </a:p>
           <a:p>
             <a:pPr lvl="1"/>
             <a:r>
-              <a:rPr kumimoji="1" lang="ja-JP" altLang="en-US" smtClean="0"/>
+              <a:rPr kumimoji="1" lang="ja-JP" altLang="en-US"/>
               <a:t>第 </a:t>
             </a:r>
             <a:r>
-              <a:rPr kumimoji="1" lang="en-US" altLang="ja-JP" smtClean="0"/>
+              <a:rPr kumimoji="1" lang="en-US" altLang="ja-JP"/>
               <a:t>2 </a:t>
             </a:r>
             <a:r>
-              <a:rPr kumimoji="1" lang="ja-JP" altLang="en-US" smtClean="0"/>
+              <a:rPr kumimoji="1" lang="ja-JP" altLang="en-US"/>
               <a:t>レベル</a:t>
             </a:r>
           </a:p>
           <a:p>
             <a:pPr lvl="2"/>
             <a:r>
-              <a:rPr kumimoji="1" lang="ja-JP" altLang="en-US" smtClean="0"/>
+              <a:rPr kumimoji="1" lang="ja-JP" altLang="en-US"/>
               <a:t>第 </a:t>
             </a:r>
             <a:r>
-              <a:rPr kumimoji="1" lang="en-US" altLang="ja-JP" smtClean="0"/>
+              <a:rPr kumimoji="1" lang="en-US" altLang="ja-JP"/>
               <a:t>3 </a:t>
             </a:r>
             <a:r>
-              <a:rPr kumimoji="1" lang="ja-JP" altLang="en-US" smtClean="0"/>
+              <a:rPr kumimoji="1" lang="ja-JP" altLang="en-US"/>
               <a:t>レベル</a:t>
             </a:r>
           </a:p>
           <a:p>
             <a:pPr lvl="3"/>
             <a:r>
-              <a:rPr kumimoji="1" lang="ja-JP" altLang="en-US" smtClean="0"/>
+              <a:rPr kumimoji="1" lang="ja-JP" altLang="en-US"/>
               <a:t>第 </a:t>
             </a:r>
             <a:r>
-              <a:rPr kumimoji="1" lang="en-US" altLang="ja-JP" smtClean="0"/>
+              <a:rPr kumimoji="1" lang="en-US" altLang="ja-JP"/>
               <a:t>4 </a:t>
             </a:r>
             <a:r>
-              <a:rPr kumimoji="1" lang="ja-JP" altLang="en-US" smtClean="0"/>
+              <a:rPr kumimoji="1" lang="ja-JP" altLang="en-US"/>
               <a:t>レベル</a:t>
             </a:r>
           </a:p>
           <a:p>
             <a:pPr lvl="4"/>
             <a:r>
-              <a:rPr kumimoji="1" lang="ja-JP" altLang="en-US" smtClean="0"/>
+              <a:rPr kumimoji="1" lang="ja-JP" altLang="en-US"/>
               <a:t>第 </a:t>
             </a:r>
             <a:r>
-              <a:rPr kumimoji="1" lang="en-US" altLang="ja-JP" smtClean="0"/>
+              <a:rPr kumimoji="1" lang="en-US" altLang="ja-JP"/>
               <a:t>5 </a:t>
             </a:r>
             <a:r>
-              <a:rPr kumimoji="1" lang="ja-JP" altLang="en-US" smtClean="0"/>
+              <a:rPr kumimoji="1" lang="ja-JP" altLang="en-US"/>
               <a:t>レベル</a:t>
             </a:r>
-            <a:endParaRPr kumimoji="1" lang="ja-JP" altLang="en-US"/>
           </a:p>
         </p:txBody>
       </p:sp>
@@ -2447,7 +2445,7 @@
           <a:p>
             <a:pPr lvl="0"/>
             <a:r>
-              <a:rPr kumimoji="1" lang="ja-JP" altLang="en-US" smtClean="0"/>
+              <a:rPr kumimoji="1" lang="ja-JP" altLang="en-US"/>
               <a:t>マスタ テキストの書式設定</a:t>
             </a:r>
           </a:p>
@@ -2512,7 +2510,7 @@
           <a:p>
             <a:fld id="{4A4AE12C-491A-4713-A5BE-7CD117A12C59}" type="slidenum">
               <a:rPr kumimoji="1" lang="ja-JP" altLang="en-US" smtClean="0"/>
-              <a:t>&lt;#&gt;</a:t>
+              <a:t>‹#›</a:t>
             </a:fld>
             <a:endParaRPr kumimoji="1" lang="ja-JP" altLang="en-US"/>
           </a:p>
@@ -2568,10 +2566,9 @@
           </a:lstStyle>
           <a:p>
             <a:r>
-              <a:rPr kumimoji="1" lang="ja-JP" altLang="en-US" smtClean="0"/>
+              <a:rPr kumimoji="1" lang="ja-JP" altLang="en-US"/>
               <a:t>マスタ タイトルの書式設定</a:t>
             </a:r>
-            <a:endParaRPr kumimoji="1" lang="ja-JP" altLang="en-US"/>
           </a:p>
         </p:txBody>
       </p:sp>
@@ -2695,7 +2692,7 @@
           <a:p>
             <a:pPr lvl="0"/>
             <a:r>
-              <a:rPr kumimoji="1" lang="ja-JP" altLang="en-US" smtClean="0"/>
+              <a:rPr kumimoji="1" lang="ja-JP" altLang="en-US"/>
               <a:t>マスタ テキストの書式設定</a:t>
             </a:r>
           </a:p>
@@ -2760,7 +2757,7 @@
           <a:p>
             <a:fld id="{4A4AE12C-491A-4713-A5BE-7CD117A12C59}" type="slidenum">
               <a:rPr kumimoji="1" lang="ja-JP" altLang="en-US" smtClean="0"/>
-              <a:t>&lt;#&gt;</a:t>
+              <a:t>‹#›</a:t>
             </a:fld>
             <a:endParaRPr kumimoji="1" lang="ja-JP" altLang="en-US"/>
           </a:p>
@@ -2822,10 +2819,9 @@
           <a:lstStyle/>
           <a:p>
             <a:r>
-              <a:rPr kumimoji="1" lang="ja-JP" altLang="en-US" smtClean="0"/>
+              <a:rPr kumimoji="1" lang="ja-JP" altLang="en-US"/>
               <a:t>マスタ タイトルの書式設定</a:t>
             </a:r>
-            <a:endParaRPr kumimoji="1" lang="ja-JP" altLang="en-US"/>
           </a:p>
         </p:txBody>
       </p:sp>
@@ -2856,70 +2852,69 @@
           <a:p>
             <a:pPr lvl="0"/>
             <a:r>
-              <a:rPr kumimoji="1" lang="ja-JP" altLang="en-US" smtClean="0"/>
+              <a:rPr kumimoji="1" lang="ja-JP" altLang="en-US"/>
               <a:t>マスタ テキストの書式設定</a:t>
             </a:r>
           </a:p>
           <a:p>
             <a:pPr lvl="1"/>
             <a:r>
-              <a:rPr kumimoji="1" lang="ja-JP" altLang="en-US" smtClean="0"/>
+              <a:rPr kumimoji="1" lang="ja-JP" altLang="en-US"/>
               <a:t>第 </a:t>
             </a:r>
             <a:r>
-              <a:rPr kumimoji="1" lang="en-US" altLang="ja-JP" smtClean="0"/>
+              <a:rPr kumimoji="1" lang="en-US" altLang="ja-JP"/>
               <a:t>2 </a:t>
             </a:r>
             <a:r>
-              <a:rPr kumimoji="1" lang="ja-JP" altLang="en-US" smtClean="0"/>
+              <a:rPr kumimoji="1" lang="ja-JP" altLang="en-US"/>
               <a:t>レベル</a:t>
             </a:r>
           </a:p>
           <a:p>
             <a:pPr lvl="2"/>
             <a:r>
-              <a:rPr kumimoji="1" lang="ja-JP" altLang="en-US" smtClean="0"/>
+              <a:rPr kumimoji="1" lang="ja-JP" altLang="en-US"/>
               <a:t>第 </a:t>
             </a:r>
             <a:r>
-              <a:rPr kumimoji="1" lang="en-US" altLang="ja-JP" smtClean="0"/>
+              <a:rPr kumimoji="1" lang="en-US" altLang="ja-JP"/>
               <a:t>3 </a:t>
             </a:r>
             <a:r>
-              <a:rPr kumimoji="1" lang="ja-JP" altLang="en-US" smtClean="0"/>
+              <a:rPr kumimoji="1" lang="ja-JP" altLang="en-US"/>
               <a:t>レベル</a:t>
             </a:r>
           </a:p>
           <a:p>
             <a:pPr lvl="3"/>
             <a:r>
-              <a:rPr kumimoji="1" lang="ja-JP" altLang="en-US" smtClean="0"/>
+              <a:rPr kumimoji="1" lang="ja-JP" altLang="en-US"/>
               <a:t>第 </a:t>
             </a:r>
             <a:r>
-              <a:rPr kumimoji="1" lang="en-US" altLang="ja-JP" smtClean="0"/>
+              <a:rPr kumimoji="1" lang="en-US" altLang="ja-JP"/>
               <a:t>4 </a:t>
             </a:r>
             <a:r>
-              <a:rPr kumimoji="1" lang="ja-JP" altLang="en-US" smtClean="0"/>
+              <a:rPr kumimoji="1" lang="ja-JP" altLang="en-US"/>
               <a:t>レベル</a:t>
             </a:r>
           </a:p>
           <a:p>
             <a:pPr lvl="4"/>
             <a:r>
-              <a:rPr kumimoji="1" lang="ja-JP" altLang="en-US" smtClean="0"/>
+              <a:rPr kumimoji="1" lang="ja-JP" altLang="en-US"/>
               <a:t>第 </a:t>
             </a:r>
             <a:r>
-              <a:rPr kumimoji="1" lang="en-US" altLang="ja-JP" smtClean="0"/>
+              <a:rPr kumimoji="1" lang="en-US" altLang="ja-JP"/>
               <a:t>5 </a:t>
             </a:r>
             <a:r>
-              <a:rPr kumimoji="1" lang="ja-JP" altLang="en-US" smtClean="0"/>
+              <a:rPr kumimoji="1" lang="ja-JP" altLang="en-US"/>
               <a:t>レベル</a:t>
             </a:r>
-            <a:endParaRPr kumimoji="1" lang="ja-JP" altLang="en-US"/>
           </a:p>
         </p:txBody>
       </p:sp>
@@ -3036,7 +3031,7 @@
           <a:p>
             <a:fld id="{4A4AE12C-491A-4713-A5BE-7CD117A12C59}" type="slidenum">
               <a:rPr kumimoji="1" lang="ja-JP" altLang="en-US" smtClean="0"/>
-              <a:t>&lt;#&gt;</a:t>
+              <a:t>‹#›</a:t>
             </a:fld>
             <a:endParaRPr kumimoji="1" lang="ja-JP" altLang="en-US"/>
           </a:p>
@@ -3344,7 +3339,7 @@
           <a:lstStyle/>
           <a:p>
             <a:r>
-              <a:rPr lang="ja-JP" altLang="en-US" dirty="0" smtClean="0"/>
+              <a:rPr lang="ja-JP" altLang="en-US" dirty="0"/>
               <a:t>概要説明</a:t>
             </a:r>
             <a:endParaRPr kumimoji="1" lang="ja-JP" altLang="en-US" dirty="0"/>
@@ -3459,7 +3454,7 @@
                   <a:tabLst/>
                 </a:pPr>
                 <a:r>
-                  <a:rPr kumimoji="0" lang="en-US" altLang="ja-JP" sz="3600" b="0" i="0" u="none" strike="noStrike" cap="none" normalizeH="0" baseline="0" dirty="0" smtClean="0">
+                  <a:rPr kumimoji="0" lang="en-US" altLang="ja-JP" sz="3600" b="0" i="0" u="none" strike="noStrike" cap="none" normalizeH="0" baseline="0" dirty="0">
                     <a:ln>
                       <a:noFill/>
                     </a:ln>
@@ -3474,7 +3469,7 @@
                   <a:t>  </a:t>
                 </a:r>
                 <a:r>
-                  <a:rPr kumimoji="0" lang="en-US" altLang="ja-JP" sz="3600" b="0" i="0" u="none" strike="noStrike" cap="none" normalizeH="0" baseline="0" dirty="0" smtClean="0">
+                  <a:rPr kumimoji="0" lang="en-US" altLang="ja-JP" sz="3600" b="0" i="0" u="none" strike="noStrike" cap="none" normalizeH="0" baseline="0" dirty="0">
                     <a:ln>
                       <a:noFill/>
                     </a:ln>
@@ -3489,7 +3484,7 @@
                   <a:t> </a:t>
                 </a:r>
                 <a:r>
-                  <a:rPr kumimoji="0" lang="ja-JP" altLang="en-US" sz="3600" b="0" i="0" u="none" strike="noStrike" cap="none" normalizeH="0" baseline="0" dirty="0" smtClean="0">
+                  <a:rPr kumimoji="0" lang="ja-JP" altLang="en-US" sz="3600" b="0" i="0" u="none" strike="noStrike" cap="none" normalizeH="0" baseline="0" dirty="0">
                     <a:ln>
                       <a:noFill/>
                     </a:ln>
@@ -3503,18 +3498,6 @@
                   </a:rPr>
                   <a:t>本成果物の基本方針</a:t>
                 </a:r>
-                <a:endParaRPr kumimoji="0" lang="ja-JP" altLang="en-US" sz="3600" b="0" i="0" u="none" strike="noStrike" cap="none" normalizeH="0" baseline="0" dirty="0" smtClean="0">
-                  <a:ln>
-                    <a:noFill/>
-                  </a:ln>
-                  <a:solidFill>
-                    <a:schemeClr val="bg1"/>
-                  </a:solidFill>
-                  <a:effectLst/>
-                  <a:latin typeface="Times" pitchFamily="18" charset="0"/>
-                  <a:ea typeface="PMingLiU" pitchFamily="18" charset="-120"/>
-                  <a:cs typeface="Times" pitchFamily="18" charset="0"/>
-                </a:endParaRPr>
               </a:p>
             </p:txBody>
           </p:sp>
@@ -3580,7 +3563,7 @@
                   </a:rPr>
                   <a:t>1</a:t>
                 </a:r>
-                <a:endParaRPr kumimoji="0" lang="ja-JP" altLang="en-US" sz="4400" b="0" i="0" u="none" strike="noStrike" cap="none" normalizeH="0" baseline="0" dirty="0" smtClean="0">
+                <a:endParaRPr kumimoji="0" lang="ja-JP" altLang="en-US" sz="4400" b="0" i="0" u="none" strike="noStrike" cap="none" normalizeH="0" baseline="0" dirty="0">
                   <a:ln>
                     <a:noFill/>
                   </a:ln>
@@ -3664,7 +3647,7 @@
                   <a:tabLst/>
                 </a:pPr>
                 <a:r>
-                  <a:rPr kumimoji="0" lang="en-US" altLang="ja-JP" sz="3600" b="0" i="0" u="none" strike="noStrike" cap="none" normalizeH="0" baseline="0" dirty="0" smtClean="0">
+                  <a:rPr kumimoji="0" lang="en-US" altLang="ja-JP" sz="3600" b="0" i="0" u="none" strike="noStrike" cap="none" normalizeH="0" baseline="0" dirty="0">
                     <a:ln>
                       <a:noFill/>
                     </a:ln>
@@ -3679,7 +3662,7 @@
                   <a:t>  </a:t>
                 </a:r>
                 <a:r>
-                  <a:rPr kumimoji="0" lang="ja-JP" altLang="en-US" sz="3600" dirty="0" smtClean="0">
+                  <a:rPr kumimoji="0" lang="ja-JP" altLang="en-US" sz="3600" dirty="0">
                     <a:solidFill>
                       <a:schemeClr val="bg1"/>
                     </a:solidFill>
@@ -3689,7 +3672,7 @@
                   </a:rPr>
                   <a:t>アルゴリズム概要</a:t>
                 </a:r>
-                <a:endParaRPr kumimoji="0" lang="ja-JP" altLang="en-US" sz="3600" b="0" i="0" u="none" strike="noStrike" cap="none" normalizeH="0" baseline="0" dirty="0" smtClean="0">
+                <a:endParaRPr kumimoji="0" lang="ja-JP" altLang="en-US" sz="3600" b="0" i="0" u="none" strike="noStrike" cap="none" normalizeH="0" baseline="0" dirty="0">
                   <a:ln>
                     <a:noFill/>
                   </a:ln>
@@ -3757,7 +3740,7 @@
                   <a:tabLst/>
                 </a:pPr>
                 <a:r>
-                  <a:rPr kumimoji="0" lang="en-US" altLang="ja-JP" sz="4400" dirty="0" smtClean="0">
+                  <a:rPr kumimoji="0" lang="en-US" altLang="ja-JP" sz="4400" dirty="0">
                     <a:solidFill>
                       <a:schemeClr val="bg1"/>
                     </a:solidFill>
@@ -3766,7 +3749,7 @@
                   </a:rPr>
                   <a:t>2</a:t>
                 </a:r>
-                <a:endParaRPr kumimoji="0" lang="ja-JP" altLang="en-US" sz="4400" b="0" i="0" u="none" strike="noStrike" cap="none" normalizeH="0" baseline="0" dirty="0" smtClean="0">
+                <a:endParaRPr kumimoji="0" lang="ja-JP" altLang="en-US" sz="4400" b="0" i="0" u="none" strike="noStrike" cap="none" normalizeH="0" baseline="0" dirty="0">
                   <a:ln>
                     <a:noFill/>
                   </a:ln>
@@ -3850,7 +3833,7 @@
                   <a:tabLst/>
                 </a:pPr>
                 <a:r>
-                  <a:rPr kumimoji="0" lang="en-US" altLang="ja-JP" sz="3600" b="0" i="0" u="none" strike="noStrike" cap="none" normalizeH="0" baseline="0" dirty="0" smtClean="0">
+                  <a:rPr kumimoji="0" lang="en-US" altLang="ja-JP" sz="3600" b="0" i="0" u="none" strike="noStrike" cap="none" normalizeH="0" baseline="0" dirty="0">
                     <a:ln>
                       <a:noFill/>
                     </a:ln>
@@ -3865,7 +3848,7 @@
                   <a:t>  </a:t>
                 </a:r>
                 <a:r>
-                  <a:rPr kumimoji="0" lang="ja-JP" altLang="en-US" sz="3600" dirty="0" smtClean="0">
+                  <a:rPr kumimoji="0" lang="ja-JP" altLang="en-US" sz="3600" dirty="0">
                     <a:solidFill>
                       <a:schemeClr val="bg1"/>
                     </a:solidFill>
@@ -3875,7 +3858,7 @@
                   </a:rPr>
                   <a:t>使用ツール・辞書</a:t>
                 </a:r>
-                <a:endParaRPr kumimoji="0" lang="en-US" altLang="ja-JP" sz="3600" dirty="0" smtClean="0">
+                <a:endParaRPr kumimoji="0" lang="en-US" altLang="ja-JP" sz="3600" dirty="0">
                   <a:solidFill>
                     <a:schemeClr val="bg1"/>
                   </a:solidFill>
@@ -3948,7 +3931,7 @@
                   </a:rPr>
                   <a:t>3</a:t>
                 </a:r>
-                <a:endParaRPr kumimoji="0" lang="ja-JP" altLang="en-US" sz="4400" b="0" i="0" u="none" strike="noStrike" cap="none" normalizeH="0" baseline="0" dirty="0" smtClean="0">
+                <a:endParaRPr kumimoji="0" lang="ja-JP" altLang="en-US" sz="4400" b="0" i="0" u="none" strike="noStrike" cap="none" normalizeH="0" baseline="0" dirty="0">
                   <a:ln>
                     <a:noFill/>
                   </a:ln>
@@ -4032,7 +4015,7 @@
                   <a:tabLst/>
                 </a:pPr>
                 <a:r>
-                  <a:rPr kumimoji="0" lang="en-US" altLang="ja-JP" sz="3600" b="0" i="0" u="none" strike="noStrike" cap="none" normalizeH="0" baseline="0" dirty="0" smtClean="0">
+                  <a:rPr kumimoji="0" lang="en-US" altLang="ja-JP" sz="3600" b="0" i="0" u="none" strike="noStrike" cap="none" normalizeH="0" baseline="0" dirty="0">
                     <a:ln>
                       <a:noFill/>
                     </a:ln>
@@ -4047,7 +4030,7 @@
                   <a:t>  </a:t>
                 </a:r>
                 <a:r>
-                  <a:rPr kumimoji="0" lang="ja-JP" altLang="en-US" sz="3600" dirty="0" smtClean="0">
+                  <a:rPr kumimoji="0" lang="ja-JP" altLang="en-US" sz="3600" dirty="0">
                     <a:solidFill>
                       <a:schemeClr val="bg1"/>
                     </a:solidFill>
@@ -4057,7 +4040,7 @@
                   </a:rPr>
                   <a:t>今後に向けた課題</a:t>
                 </a:r>
-                <a:endParaRPr kumimoji="0" lang="en-US" altLang="ja-JP" sz="3600" dirty="0" smtClean="0">
+                <a:endParaRPr kumimoji="0" lang="en-US" altLang="ja-JP" sz="3600" dirty="0">
                   <a:solidFill>
                     <a:schemeClr val="bg1"/>
                   </a:solidFill>
@@ -4121,7 +4104,7 @@
                   <a:tabLst/>
                 </a:pPr>
                 <a:r>
-                  <a:rPr kumimoji="0" lang="en-US" altLang="ja-JP" sz="4400" dirty="0" smtClean="0">
+                  <a:rPr kumimoji="0" lang="en-US" altLang="ja-JP" sz="4400" dirty="0">
                     <a:solidFill>
                       <a:schemeClr val="bg1"/>
                     </a:solidFill>
@@ -4130,7 +4113,7 @@
                   </a:rPr>
                   <a:t>4</a:t>
                 </a:r>
-                <a:endParaRPr kumimoji="0" lang="ja-JP" altLang="en-US" sz="4400" b="0" i="0" u="none" strike="noStrike" cap="none" normalizeH="0" baseline="0" dirty="0" smtClean="0">
+                <a:endParaRPr kumimoji="0" lang="ja-JP" altLang="en-US" sz="4400" b="0" i="0" u="none" strike="noStrike" cap="none" normalizeH="0" baseline="0" dirty="0">
                   <a:ln>
                     <a:noFill/>
                   </a:ln>
@@ -4187,7 +4170,7 @@
               <a:defRPr/>
             </a:pPr>
             <a:r>
-              <a:rPr kumimoji="1" lang="ja-JP" altLang="en-US" sz="4400" b="0" i="0" u="none" strike="noStrike" kern="1200" cap="none" spc="0" normalizeH="0" baseline="0" noProof="0" dirty="0" smtClean="0">
+              <a:rPr kumimoji="1" lang="ja-JP" altLang="en-US" sz="4400" b="0" i="0" u="none" strike="noStrike" kern="1200" cap="none" spc="0" normalizeH="0" baseline="0" noProof="0" dirty="0">
                 <a:ln>
                   <a:noFill/>
                 </a:ln>
@@ -4300,7 +4283,7 @@
                 <a:tabLst/>
               </a:pPr>
               <a:r>
-                <a:rPr kumimoji="0" lang="en-US" altLang="ja-JP" sz="3600" b="0" i="0" u="none" strike="noStrike" cap="none" normalizeH="0" baseline="0" dirty="0" smtClean="0">
+                <a:rPr kumimoji="0" lang="en-US" altLang="ja-JP" sz="3600" b="0" i="0" u="none" strike="noStrike" cap="none" normalizeH="0" baseline="0" dirty="0">
                   <a:ln>
                     <a:noFill/>
                   </a:ln>
@@ -4315,7 +4298,7 @@
                 <a:t>  </a:t>
               </a:r>
               <a:r>
-                <a:rPr kumimoji="0" lang="en-US" altLang="ja-JP" sz="3600" b="0" i="0" u="none" strike="noStrike" cap="none" normalizeH="0" baseline="0" dirty="0" smtClean="0">
+                <a:rPr kumimoji="0" lang="en-US" altLang="ja-JP" sz="3600" b="0" i="0" u="none" strike="noStrike" cap="none" normalizeH="0" baseline="0" dirty="0">
                   <a:ln>
                     <a:noFill/>
                   </a:ln>
@@ -4330,7 +4313,7 @@
                 <a:t> </a:t>
               </a:r>
               <a:r>
-                <a:rPr kumimoji="0" lang="ja-JP" altLang="en-US" sz="3600" b="0" i="0" u="none" strike="noStrike" cap="none" normalizeH="0" baseline="0" dirty="0" smtClean="0">
+                <a:rPr kumimoji="0" lang="ja-JP" altLang="en-US" sz="3600" b="0" i="0" u="none" strike="noStrike" cap="none" normalizeH="0" baseline="0" dirty="0">
                   <a:ln>
                     <a:noFill/>
                   </a:ln>
@@ -4344,18 +4327,6 @@
                 </a:rPr>
                 <a:t>本成果物の基本方針</a:t>
               </a:r>
-              <a:endParaRPr kumimoji="0" lang="ja-JP" altLang="en-US" sz="3600" b="0" i="0" u="none" strike="noStrike" cap="none" normalizeH="0" baseline="0" dirty="0" smtClean="0">
-                <a:ln>
-                  <a:noFill/>
-                </a:ln>
-                <a:solidFill>
-                  <a:schemeClr val="bg1"/>
-                </a:solidFill>
-                <a:effectLst/>
-                <a:latin typeface="Times" pitchFamily="18" charset="0"/>
-                <a:ea typeface="PMingLiU" pitchFamily="18" charset="-120"/>
-                <a:cs typeface="Times" pitchFamily="18" charset="0"/>
-              </a:endParaRPr>
             </a:p>
           </p:txBody>
         </p:sp>
@@ -4421,7 +4392,7 @@
                 </a:rPr>
                 <a:t>1</a:t>
               </a:r>
-              <a:endParaRPr kumimoji="0" lang="ja-JP" altLang="en-US" sz="4400" b="0" i="0" u="none" strike="noStrike" cap="none" normalizeH="0" baseline="0" dirty="0" smtClean="0">
+              <a:endParaRPr kumimoji="0" lang="ja-JP" altLang="en-US" sz="4400" b="0" i="0" u="none" strike="noStrike" cap="none" normalizeH="0" baseline="0" dirty="0">
                 <a:ln>
                   <a:noFill/>
                 </a:ln>
@@ -4477,14 +4448,14 @@
               <a:defRPr/>
             </a:pPr>
             <a:r>
-              <a:rPr lang="ja-JP" altLang="en-US" sz="1600" dirty="0" smtClean="0">
+              <a:rPr lang="ja-JP" altLang="en-US" sz="1600" dirty="0">
                 <a:latin typeface="+mj-lt"/>
                 <a:ea typeface="+mj-ea"/>
                 <a:cs typeface="+mj-cs"/>
               </a:rPr>
               <a:t>学習データの観察から、下記方針を策定しロジックの設計、実装を実施した。</a:t>
             </a:r>
-            <a:endParaRPr lang="en-US" altLang="ja-JP" sz="1600" dirty="0" smtClean="0">
+            <a:endParaRPr lang="en-US" altLang="ja-JP" sz="1600" dirty="0">
               <a:latin typeface="+mj-lt"/>
               <a:ea typeface="+mj-ea"/>
               <a:cs typeface="+mj-cs"/>
@@ -4508,7 +4479,7 @@
               <a:tabLst/>
               <a:defRPr/>
             </a:pPr>
-            <a:endParaRPr lang="en-US" altLang="ja-JP" sz="1600" dirty="0" smtClean="0">
+            <a:endParaRPr lang="en-US" altLang="ja-JP" sz="1600" dirty="0">
               <a:latin typeface="+mj-lt"/>
               <a:ea typeface="+mj-ea"/>
               <a:cs typeface="+mj-cs"/>
@@ -4533,7 +4504,7 @@
               <a:defRPr/>
             </a:pPr>
             <a:r>
-              <a:rPr kumimoji="1" lang="ja-JP" altLang="en-US" b="1" i="0" u="none" strike="noStrike" kern="1200" cap="none" spc="0" normalizeH="0" baseline="0" noProof="0" dirty="0" smtClean="0">
+              <a:rPr kumimoji="1" lang="ja-JP" altLang="en-US" b="1" i="0" u="none" strike="noStrike" kern="1200" cap="none" spc="0" normalizeH="0" baseline="0" noProof="0" dirty="0">
                 <a:ln>
                   <a:noFill/>
                 </a:ln>
@@ -4549,7 +4520,7 @@
               </a:rPr>
               <a:t>①シンプルかつ妥当性の高い実装ロジックとすること。</a:t>
             </a:r>
-            <a:endParaRPr kumimoji="1" lang="en-US" altLang="ja-JP" b="1" i="0" u="none" strike="noStrike" kern="1200" cap="none" spc="0" normalizeH="0" baseline="0" noProof="0" dirty="0" smtClean="0">
+            <a:endParaRPr kumimoji="1" lang="en-US" altLang="ja-JP" b="1" i="0" u="none" strike="noStrike" kern="1200" cap="none" spc="0" normalizeH="0" baseline="0" noProof="0" dirty="0">
               <a:ln>
                 <a:noFill/>
               </a:ln>
@@ -4583,14 +4554,14 @@
               <a:defRPr/>
             </a:pPr>
             <a:r>
-              <a:rPr lang="ja-JP" altLang="en-US" b="1" dirty="0" smtClean="0">
+              <a:rPr lang="ja-JP" altLang="en-US" b="1" dirty="0">
                 <a:latin typeface="+mj-lt"/>
                 <a:ea typeface="+mj-ea"/>
                 <a:cs typeface="+mj-cs"/>
               </a:rPr>
               <a:t>②学習データにおける業種ごとの数的偏りに左右されないロジックとすること。</a:t>
             </a:r>
-            <a:endParaRPr lang="en-US" altLang="ja-JP" b="1" dirty="0" smtClean="0">
+            <a:endParaRPr lang="en-US" altLang="ja-JP" b="1" dirty="0">
               <a:latin typeface="+mj-lt"/>
               <a:ea typeface="+mj-ea"/>
               <a:cs typeface="+mj-cs"/>
@@ -4615,7 +4586,7 @@
               <a:defRPr/>
             </a:pPr>
             <a:r>
-              <a:rPr kumimoji="1" lang="ja-JP" altLang="en-US" b="1" i="0" u="none" strike="noStrike" kern="1200" cap="none" spc="0" normalizeH="0" baseline="0" noProof="0" dirty="0" smtClean="0">
+              <a:rPr kumimoji="1" lang="ja-JP" altLang="en-US" b="1" i="0" u="none" strike="noStrike" kern="1200" cap="none" spc="0" normalizeH="0" baseline="0" noProof="0" dirty="0">
                 <a:ln>
                   <a:noFill/>
                 </a:ln>
@@ -4632,7 +4603,7 @@
               <a:t>③処理内容がブラックボックス化しないしないロジックとすること</a:t>
             </a:r>
             <a:r>
-              <a:rPr kumimoji="1" lang="ja-JP" altLang="en-US" sz="1600" b="0" i="0" u="none" strike="noStrike" kern="1200" cap="none" spc="0" normalizeH="0" baseline="0" noProof="0" dirty="0" smtClean="0">
+              <a:rPr kumimoji="1" lang="ja-JP" altLang="en-US" sz="1600" b="0" i="0" u="none" strike="noStrike" kern="1200" cap="none" spc="0" normalizeH="0" baseline="0" noProof="0" dirty="0">
                 <a:ln>
                   <a:noFill/>
                 </a:ln>
@@ -4754,14 +4725,14 @@
             <a:p>
               <a:pPr algn="ctr"/>
               <a:r>
-                <a:rPr lang="ja-JP" altLang="en-US" sz="2800" dirty="0" smtClean="0">
+                <a:rPr lang="ja-JP" altLang="en-US" sz="2800" dirty="0">
                   <a:solidFill>
                     <a:schemeClr val="bg1"/>
                   </a:solidFill>
                 </a:rPr>
                 <a:t>①</a:t>
               </a:r>
-              <a:endParaRPr lang="en-US" altLang="ja-JP" sz="2800" dirty="0" smtClean="0">
+              <a:endParaRPr lang="en-US" altLang="ja-JP" sz="2800" dirty="0">
                 <a:solidFill>
                   <a:schemeClr val="bg1"/>
                 </a:solidFill>
@@ -4857,14 +4828,14 @@
             <a:lstStyle/>
             <a:p>
               <a:r>
-                <a:rPr lang="ja-JP" altLang="en-US" sz="2800" dirty="0" smtClean="0">
+                <a:rPr lang="ja-JP" altLang="en-US" sz="2800" dirty="0">
                   <a:solidFill>
                     <a:schemeClr val="bg1"/>
                   </a:solidFill>
                 </a:rPr>
                 <a:t>　　　　　　②</a:t>
               </a:r>
-              <a:endParaRPr lang="en-US" altLang="ja-JP" sz="2800" dirty="0" smtClean="0">
+              <a:endParaRPr lang="en-US" altLang="ja-JP" sz="2800" dirty="0">
                 <a:solidFill>
                   <a:schemeClr val="bg1"/>
                 </a:solidFill>
@@ -4961,10 +4932,9 @@
             <a:p>
               <a:pPr algn="ctr"/>
               <a:r>
-                <a:rPr kumimoji="1" lang="ja-JP" altLang="en-US" sz="2800" dirty="0" smtClean="0"/>
+                <a:rPr kumimoji="1" lang="ja-JP" altLang="en-US" sz="2800" dirty="0"/>
                 <a:t>③</a:t>
               </a:r>
-              <a:endParaRPr kumimoji="1" lang="ja-JP" altLang="en-US" sz="2800" dirty="0"/>
             </a:p>
           </p:txBody>
         </p:sp>
@@ -5051,22 +5021,10 @@
                 <a:defRPr/>
               </a:pPr>
               <a:r>
-                <a:rPr lang="ja-JP" altLang="en-US" sz="1600" b="1" dirty="0" smtClean="0"/>
-                <a:t>データ観察を行い</a:t>
+                <a:rPr lang="ja-JP" altLang="en-US" sz="1600" b="1" dirty="0"/>
+                <a:t>データ観察を行い、人間がどう　判断するのかを考察し、単純なルールベースでの実装から着手。</a:t>
               </a:r>
-              <a:r>
-                <a:rPr lang="ja-JP" altLang="en-US" sz="1600" b="1" dirty="0" smtClean="0"/>
-                <a:t>、人間がどう</a:t>
-              </a:r>
-              <a:r>
-                <a:rPr lang="ja-JP" altLang="en-US" sz="1600" b="1" dirty="0"/>
-                <a:t>　</a:t>
-              </a:r>
-              <a:r>
-                <a:rPr lang="ja-JP" altLang="en-US" sz="1600" b="1" dirty="0" smtClean="0"/>
-                <a:t>判断するのかを考察し、単純なルールベースでの実装から着手。</a:t>
-              </a:r>
-              <a:endParaRPr lang="en-US" altLang="zh-TW" sz="1600" b="1" dirty="0" smtClean="0"/>
+              <a:endParaRPr lang="en-US" altLang="zh-TW" sz="1600" b="1" dirty="0"/>
             </a:p>
             <a:p>
               <a:pPr lvl="0" eaLnBrk="0" fontAlgn="base" hangingPunct="0">
@@ -5083,10 +5041,10 @@
                 <a:defRPr/>
               </a:pPr>
               <a:r>
-                <a:rPr lang="ja-JP" altLang="en-US" b="1" dirty="0" smtClean="0"/>
+                <a:rPr lang="ja-JP" altLang="en-US" b="1" dirty="0"/>
                 <a:t>　　　　　</a:t>
               </a:r>
-              <a:endParaRPr lang="en-US" altLang="ja-JP" b="1" dirty="0" smtClean="0"/>
+              <a:endParaRPr lang="en-US" altLang="ja-JP" b="1" dirty="0"/>
             </a:p>
             <a:p>
               <a:pPr lvl="0" eaLnBrk="0" fontAlgn="base" hangingPunct="0">
@@ -5102,7 +5060,7 @@
                 <a:buSzPct val="80000"/>
                 <a:defRPr/>
               </a:pPr>
-              <a:endParaRPr lang="en-US" altLang="zh-TW" b="1" dirty="0" smtClean="0"/>
+              <a:endParaRPr lang="en-US" altLang="zh-TW" b="1" dirty="0"/>
             </a:p>
             <a:p>
               <a:pPr lvl="0" eaLnBrk="0" fontAlgn="base" hangingPunct="0">
@@ -5119,10 +5077,10 @@
                 <a:defRPr/>
               </a:pPr>
               <a:r>
-                <a:rPr kumimoji="0" lang="ja-JP" altLang="en-US" sz="1600" b="1" kern="0" dirty="0" smtClean="0"/>
+                <a:rPr kumimoji="0" lang="ja-JP" altLang="en-US" sz="1600" b="1" kern="0" dirty="0"/>
                 <a:t>　　　　　　　</a:t>
               </a:r>
-              <a:endParaRPr kumimoji="0" lang="en-US" altLang="ja-JP" sz="1600" b="1" kern="0" dirty="0" smtClean="0"/>
+              <a:endParaRPr kumimoji="0" lang="en-US" altLang="ja-JP" sz="1600" b="1" kern="0" dirty="0"/>
             </a:p>
           </p:txBody>
         </p:sp>
@@ -5160,7 +5118,7 @@
                 <a:buSzPct val="80000"/>
                 <a:defRPr/>
               </a:pPr>
-              <a:endParaRPr lang="en-US" altLang="zh-TW" b="1" dirty="0" smtClean="0"/>
+              <a:endParaRPr lang="en-US" altLang="zh-TW" b="1" dirty="0"/>
             </a:p>
             <a:p>
               <a:pPr lvl="0" eaLnBrk="0" fontAlgn="base" hangingPunct="0">
@@ -5177,10 +5135,10 @@
                 <a:defRPr/>
               </a:pPr>
               <a:r>
-                <a:rPr lang="ja-JP" altLang="en-US" b="1" dirty="0" smtClean="0"/>
+                <a:rPr lang="ja-JP" altLang="en-US" b="1" dirty="0"/>
                 <a:t>　　　　　</a:t>
               </a:r>
-              <a:endParaRPr lang="en-US" altLang="ja-JP" b="1" dirty="0" smtClean="0"/>
+              <a:endParaRPr lang="en-US" altLang="ja-JP" b="1" dirty="0"/>
             </a:p>
             <a:p>
               <a:pPr lvl="0" eaLnBrk="0" fontAlgn="base" hangingPunct="0">
@@ -5196,7 +5154,7 @@
                 <a:buSzPct val="80000"/>
                 <a:defRPr/>
               </a:pPr>
-              <a:endParaRPr lang="en-US" altLang="zh-TW" b="1" dirty="0" smtClean="0"/>
+              <a:endParaRPr lang="en-US" altLang="zh-TW" b="1" dirty="0"/>
             </a:p>
             <a:p>
               <a:pPr lvl="0" eaLnBrk="0" fontAlgn="base" hangingPunct="0">
@@ -5213,10 +5171,10 @@
                 <a:defRPr/>
               </a:pPr>
               <a:r>
-                <a:rPr kumimoji="0" lang="ja-JP" altLang="en-US" sz="1600" b="1" kern="0" dirty="0" smtClean="0"/>
+                <a:rPr kumimoji="0" lang="ja-JP" altLang="en-US" sz="1600" b="1" kern="0" dirty="0"/>
                 <a:t>　　　　　　　</a:t>
               </a:r>
-              <a:endParaRPr kumimoji="0" lang="en-US" altLang="ja-JP" sz="1600" b="1" kern="0" dirty="0" smtClean="0"/>
+              <a:endParaRPr kumimoji="0" lang="en-US" altLang="ja-JP" sz="1600" b="1" kern="0" dirty="0"/>
             </a:p>
           </p:txBody>
         </p:sp>
@@ -5259,13 +5217,9 @@
             </a:pPr>
             <a:r>
               <a:rPr lang="ja-JP" altLang="en-US" sz="1600" b="1" dirty="0"/>
-              <a:t>業種に</a:t>
-            </a:r>
-            <a:r>
-              <a:rPr lang="ja-JP" altLang="en-US" sz="1600" b="1" dirty="0" smtClean="0"/>
-              <a:t>よるデータ量の偏り　</a:t>
-            </a:r>
-            <a:endParaRPr lang="en-US" altLang="ja-JP" sz="1600" b="1" dirty="0" smtClean="0"/>
+              <a:t>業種によるデータ量の偏り　</a:t>
+            </a:r>
+            <a:endParaRPr lang="en-US" altLang="ja-JP" sz="1600" b="1" dirty="0"/>
           </a:p>
           <a:p>
             <a:pPr lvl="0" eaLnBrk="0" fontAlgn="base" hangingPunct="0">
@@ -5283,13 +5237,9 @@
             </a:pPr>
             <a:r>
               <a:rPr lang="ja-JP" altLang="en-US" sz="1600" b="1" dirty="0"/>
-              <a:t>　</a:t>
-            </a:r>
-            <a:r>
-              <a:rPr lang="ja-JP" altLang="en-US" sz="1600" b="1" dirty="0" smtClean="0"/>
-              <a:t>を考慮し、文章内における単語　　</a:t>
-            </a:r>
-            <a:endParaRPr lang="en-US" altLang="ja-JP" sz="1600" b="1" dirty="0" smtClean="0"/>
+              <a:t>　を考慮し、文章内における単語　　</a:t>
+            </a:r>
+            <a:endParaRPr lang="en-US" altLang="ja-JP" sz="1600" b="1" dirty="0"/>
           </a:p>
           <a:p>
             <a:pPr lvl="0" eaLnBrk="0" fontAlgn="base" hangingPunct="0">
@@ -5307,13 +5257,9 @@
             </a:pPr>
             <a:r>
               <a:rPr lang="ja-JP" altLang="en-US" sz="1600" b="1" dirty="0"/>
-              <a:t>　</a:t>
-            </a:r>
-            <a:r>
-              <a:rPr lang="ja-JP" altLang="en-US" sz="1600" b="1" dirty="0" smtClean="0"/>
-              <a:t>の出現頻度等を基にした重み付</a:t>
-            </a:r>
-            <a:endParaRPr lang="en-US" altLang="ja-JP" sz="1600" b="1" dirty="0" smtClean="0"/>
+              <a:t>　の出現頻度等を基にした重み付</a:t>
+            </a:r>
+            <a:endParaRPr lang="en-US" altLang="ja-JP" sz="1600" b="1" dirty="0"/>
           </a:p>
           <a:p>
             <a:pPr lvl="0" eaLnBrk="0" fontAlgn="base" hangingPunct="0">
@@ -5330,18 +5276,18 @@
               <a:defRPr/>
             </a:pPr>
             <a:r>
-              <a:rPr lang="ja-JP" altLang="en-US" sz="1600" b="1" dirty="0" smtClean="0"/>
+              <a:rPr lang="ja-JP" altLang="en-US" sz="1600" b="1" dirty="0"/>
               <a:t>　</a:t>
             </a:r>
             <a:r>
-              <a:rPr lang="ja-JP" altLang="en-US" sz="1600" b="1" dirty="0" err="1" smtClean="0"/>
+              <a:rPr lang="ja-JP" altLang="en-US" sz="1600" b="1" dirty="0" err="1"/>
               <a:t>けを</a:t>
             </a:r>
             <a:r>
-              <a:rPr lang="ja-JP" altLang="en-US" sz="1600" b="1" dirty="0" smtClean="0"/>
+              <a:rPr lang="ja-JP" altLang="en-US" sz="1600" b="1" dirty="0"/>
               <a:t>除去。</a:t>
             </a:r>
-            <a:endParaRPr lang="en-US" altLang="zh-TW" sz="1600" b="1" dirty="0" smtClean="0"/>
+            <a:endParaRPr lang="en-US" altLang="zh-TW" sz="1600" b="1" dirty="0"/>
           </a:p>
           <a:p>
             <a:pPr lvl="0" eaLnBrk="0" fontAlgn="base" hangingPunct="0">
@@ -5358,10 +5304,10 @@
               <a:defRPr/>
             </a:pPr>
             <a:r>
-              <a:rPr lang="ja-JP" altLang="en-US" b="1" dirty="0" smtClean="0"/>
+              <a:rPr lang="ja-JP" altLang="en-US" b="1" dirty="0"/>
               <a:t>　　　　　</a:t>
             </a:r>
-            <a:endParaRPr lang="en-US" altLang="ja-JP" b="1" dirty="0" smtClean="0"/>
+            <a:endParaRPr lang="en-US" altLang="ja-JP" b="1" dirty="0"/>
           </a:p>
           <a:p>
             <a:pPr lvl="0" eaLnBrk="0" fontAlgn="base" hangingPunct="0">
@@ -5377,7 +5323,7 @@
               <a:buSzPct val="80000"/>
               <a:defRPr/>
             </a:pPr>
-            <a:endParaRPr lang="en-US" altLang="zh-TW" b="1" dirty="0" smtClean="0"/>
+            <a:endParaRPr lang="en-US" altLang="zh-TW" b="1" dirty="0"/>
           </a:p>
           <a:p>
             <a:pPr lvl="0" eaLnBrk="0" fontAlgn="base" hangingPunct="0">
@@ -5394,10 +5340,10 @@
               <a:defRPr/>
             </a:pPr>
             <a:r>
-              <a:rPr kumimoji="0" lang="ja-JP" altLang="en-US" sz="1600" b="1" kern="0" dirty="0" smtClean="0"/>
+              <a:rPr kumimoji="0" lang="ja-JP" altLang="en-US" sz="1600" b="1" kern="0" dirty="0"/>
               <a:t>　　　　　　　</a:t>
             </a:r>
-            <a:endParaRPr kumimoji="0" lang="en-US" altLang="ja-JP" sz="1600" b="1" kern="0" dirty="0" smtClean="0"/>
+            <a:endParaRPr kumimoji="0" lang="en-US" altLang="ja-JP" sz="1600" b="1" kern="0" dirty="0"/>
           </a:p>
         </p:txBody>
       </p:sp>
@@ -5438,10 +5384,10 @@
               <a:defRPr/>
             </a:pPr>
             <a:r>
-              <a:rPr lang="ja-JP" altLang="en-US" sz="1600" b="1" dirty="0" smtClean="0"/>
+              <a:rPr lang="ja-JP" altLang="en-US" sz="1600" b="1" dirty="0"/>
               <a:t>オントロジー構築の研究などを</a:t>
             </a:r>
-            <a:endParaRPr lang="en-US" altLang="ja-JP" sz="1600" b="1" dirty="0" smtClean="0"/>
+            <a:endParaRPr lang="en-US" altLang="ja-JP" sz="1600" b="1" dirty="0"/>
           </a:p>
           <a:p>
             <a:pPr lvl="0" eaLnBrk="0" fontAlgn="base" hangingPunct="0">
@@ -5459,13 +5405,9 @@
             </a:pPr>
             <a:r>
               <a:rPr lang="ja-JP" altLang="en-US" sz="1600" b="1" dirty="0"/>
-              <a:t>　</a:t>
-            </a:r>
-            <a:r>
-              <a:rPr lang="ja-JP" altLang="en-US" sz="1600" b="1" dirty="0" smtClean="0"/>
-              <a:t>同時並行に進めつつ、ライブラリ</a:t>
-            </a:r>
-            <a:endParaRPr lang="en-US" altLang="ja-JP" sz="1600" b="1" dirty="0" smtClean="0"/>
+              <a:t>　同時並行に進めつつ、ライブラリ</a:t>
+            </a:r>
+            <a:endParaRPr lang="en-US" altLang="ja-JP" sz="1600" b="1" dirty="0"/>
           </a:p>
           <a:p>
             <a:pPr lvl="0" eaLnBrk="0" fontAlgn="base" hangingPunct="0">
@@ -5482,7 +5424,7 @@
               <a:defRPr/>
             </a:pPr>
             <a:r>
-              <a:rPr lang="ja-JP" altLang="en-US" sz="1600" b="1" dirty="0" smtClean="0"/>
+              <a:rPr lang="ja-JP" altLang="en-US" sz="1600" b="1" dirty="0"/>
               <a:t>　やツールの安易な使用による</a:t>
             </a:r>
             <a:endParaRPr lang="en-US" altLang="ja-JP" sz="1600" b="1" dirty="0"/>
@@ -5502,18 +5444,18 @@
               <a:defRPr/>
             </a:pPr>
             <a:r>
-              <a:rPr lang="ja-JP" altLang="en-US" sz="1600" b="1" dirty="0" smtClean="0"/>
+              <a:rPr lang="ja-JP" altLang="en-US" sz="1600" b="1" dirty="0"/>
               <a:t>　ブラックボックス化を回避。　</a:t>
             </a:r>
             <a:r>
-              <a:rPr lang="ja-JP" altLang="en-US" dirty="0" smtClean="0"/>
+              <a:rPr lang="ja-JP" altLang="en-US" dirty="0"/>
               <a:t>　</a:t>
             </a:r>
             <a:r>
-              <a:rPr lang="ja-JP" altLang="en-US" b="1" dirty="0" smtClean="0"/>
+              <a:rPr lang="ja-JP" altLang="en-US" b="1" dirty="0"/>
               <a:t>　　　</a:t>
             </a:r>
-            <a:endParaRPr lang="en-US" altLang="ja-JP" b="1" dirty="0" smtClean="0"/>
+            <a:endParaRPr lang="en-US" altLang="ja-JP" b="1" dirty="0"/>
           </a:p>
           <a:p>
             <a:pPr lvl="0" eaLnBrk="0" fontAlgn="base" hangingPunct="0">
@@ -5529,7 +5471,7 @@
               <a:buSzPct val="80000"/>
               <a:defRPr/>
             </a:pPr>
-            <a:endParaRPr lang="en-US" altLang="zh-TW" b="1" dirty="0" smtClean="0"/>
+            <a:endParaRPr lang="en-US" altLang="zh-TW" b="1" dirty="0"/>
           </a:p>
           <a:p>
             <a:pPr lvl="0" eaLnBrk="0" fontAlgn="base" hangingPunct="0">
@@ -5546,10 +5488,10 @@
               <a:defRPr/>
             </a:pPr>
             <a:r>
-              <a:rPr kumimoji="0" lang="ja-JP" altLang="en-US" sz="1600" b="1" kern="0" dirty="0" smtClean="0"/>
+              <a:rPr kumimoji="0" lang="ja-JP" altLang="en-US" sz="1600" b="1" kern="0" dirty="0"/>
               <a:t>　　　　　　　</a:t>
             </a:r>
-            <a:endParaRPr kumimoji="0" lang="en-US" altLang="ja-JP" sz="1600" b="1" kern="0" dirty="0" smtClean="0"/>
+            <a:endParaRPr kumimoji="0" lang="en-US" altLang="ja-JP" sz="1600" b="1" kern="0" dirty="0"/>
           </a:p>
         </p:txBody>
       </p:sp>
@@ -5606,7 +5548,7 @@
               <a:tabLst/>
             </a:pPr>
             <a:r>
-              <a:rPr kumimoji="0" lang="en-US" altLang="ja-JP" sz="4400" b="0" i="0" u="none" strike="noStrike" cap="none" normalizeH="0" baseline="0" dirty="0" smtClean="0">
+              <a:rPr kumimoji="0" lang="en-US" altLang="ja-JP" sz="4400" b="0" i="0" u="none" strike="noStrike" cap="none" normalizeH="0" baseline="0" dirty="0">
                 <a:ln>
                   <a:noFill/>
                 </a:ln>
@@ -5619,7 +5561,7 @@
               </a:rPr>
               <a:t>AI</a:t>
             </a:r>
-            <a:endParaRPr kumimoji="0" lang="ja-JP" altLang="en-US" sz="4400" b="0" i="0" u="none" strike="noStrike" cap="none" normalizeH="0" baseline="0" dirty="0" smtClean="0">
+            <a:endParaRPr kumimoji="0" lang="ja-JP" altLang="en-US" sz="4400" b="0" i="0" u="none" strike="noStrike" cap="none" normalizeH="0" baseline="0" dirty="0">
               <a:ln>
                 <a:noFill/>
               </a:ln>
@@ -5727,7 +5669,7 @@
                 </a:spcAft>
               </a:pPr>
               <a:r>
-                <a:rPr kumimoji="0" lang="ja-JP" altLang="en-US" sz="3600" dirty="0" smtClean="0">
+                <a:rPr kumimoji="0" lang="ja-JP" altLang="en-US" sz="3600" dirty="0">
                   <a:solidFill>
                     <a:schemeClr val="bg1"/>
                   </a:solidFill>
@@ -5737,7 +5679,7 @@
                 </a:rPr>
                 <a:t>  アルゴリズム概要</a:t>
               </a:r>
-              <a:endParaRPr kumimoji="0" lang="ja-JP" altLang="en-US" sz="3600" b="0" i="0" u="none" strike="noStrike" cap="none" normalizeH="0" baseline="0" dirty="0" smtClean="0">
+              <a:endParaRPr kumimoji="0" lang="ja-JP" altLang="en-US" sz="3600" b="0" i="0" u="none" strike="noStrike" cap="none" normalizeH="0" baseline="0" dirty="0">
                 <a:ln>
                   <a:noFill/>
                 </a:ln>
@@ -5805,7 +5747,7 @@
                 <a:tabLst/>
               </a:pPr>
               <a:r>
-                <a:rPr kumimoji="0" lang="en-US" altLang="ja-JP" sz="4400" dirty="0" smtClean="0">
+                <a:rPr kumimoji="0" lang="en-US" altLang="ja-JP" sz="4400" dirty="0">
                   <a:solidFill>
                     <a:schemeClr val="bg1"/>
                   </a:solidFill>
@@ -5814,7 +5756,7 @@
                 </a:rPr>
                 <a:t>2</a:t>
               </a:r>
-              <a:endParaRPr kumimoji="0" lang="ja-JP" altLang="en-US" sz="4400" b="0" i="0" u="none" strike="noStrike" cap="none" normalizeH="0" baseline="0" dirty="0" smtClean="0">
+              <a:endParaRPr kumimoji="0" lang="ja-JP" altLang="en-US" sz="4400" b="0" i="0" u="none" strike="noStrike" cap="none" normalizeH="0" baseline="0" dirty="0">
                 <a:ln>
                   <a:noFill/>
                 </a:ln>
@@ -5870,7 +5812,7 @@
               <a:defRPr/>
             </a:pPr>
             <a:r>
-              <a:rPr lang="ja-JP" altLang="en-US" sz="1600" dirty="0" smtClean="0">
+              <a:rPr lang="ja-JP" altLang="en-US" sz="1600" dirty="0">
                 <a:latin typeface="+mj-lt"/>
                 <a:ea typeface="+mj-ea"/>
                 <a:cs typeface="+mj-cs"/>
@@ -5907,17 +5849,9 @@
                 <a:ea typeface="+mj-ea"/>
                 <a:cs typeface="+mj-cs"/>
               </a:rPr>
-              <a:t>①</a:t>
-            </a:r>
-            <a:r>
-              <a:rPr lang="ja-JP" altLang="en-US" sz="1600" b="1" dirty="0" smtClean="0">
-                <a:latin typeface="+mj-lt"/>
-                <a:ea typeface="+mj-ea"/>
-                <a:cs typeface="+mj-cs"/>
-              </a:rPr>
-              <a:t>学習用データから単語のみを抽出し、業種毎に整理したファイル（以下、「辞書」）を出力。</a:t>
-            </a:r>
-            <a:endParaRPr lang="en-US" altLang="ja-JP" sz="1600" b="1" dirty="0" smtClean="0">
+              <a:t>①学習用データから単語のみを抽出し、業種毎に整理したファイル（以下、「辞書」）を出力。</a:t>
+            </a:r>
+            <a:endParaRPr lang="en-US" altLang="ja-JP" sz="1600" b="1" dirty="0">
               <a:latin typeface="+mj-lt"/>
               <a:ea typeface="+mj-ea"/>
               <a:cs typeface="+mj-cs"/>
@@ -5942,7 +5876,7 @@
               <a:defRPr/>
             </a:pPr>
             <a:r>
-              <a:rPr kumimoji="1" lang="ja-JP" altLang="en-US" sz="1600" b="1" i="0" u="none" strike="noStrike" kern="1200" cap="none" spc="0" normalizeH="0" baseline="0" noProof="0" dirty="0" smtClean="0">
+              <a:rPr kumimoji="1" lang="ja-JP" altLang="en-US" sz="1600" b="1" i="0" u="none" strike="noStrike" kern="1200" cap="none" spc="0" normalizeH="0" baseline="0" noProof="0" dirty="0">
                 <a:ln>
                   <a:noFill/>
                 </a:ln>
@@ -5959,14 +5893,14 @@
               <a:t>②検査用のデータから単語のみを抽出し、出現した単語を辞書内の単語と照合</a:t>
             </a:r>
             <a:r>
-              <a:rPr lang="ja-JP" altLang="en-US" sz="1600" b="1" noProof="0" dirty="0" smtClean="0">
+              <a:rPr lang="ja-JP" altLang="en-US" sz="1600" b="1" noProof="0" dirty="0">
                 <a:latin typeface="+mj-lt"/>
                 <a:ea typeface="+mj-ea"/>
                 <a:cs typeface="+mj-cs"/>
               </a:rPr>
               <a:t>。</a:t>
             </a:r>
-            <a:endParaRPr lang="en-US" altLang="ja-JP" sz="1600" b="1" noProof="0" dirty="0" smtClean="0">
+            <a:endParaRPr lang="en-US" altLang="ja-JP" sz="1600" b="1" noProof="0" dirty="0">
               <a:latin typeface="+mj-lt"/>
               <a:ea typeface="+mj-ea"/>
               <a:cs typeface="+mj-cs"/>
@@ -5991,7 +5925,7 @@
               <a:defRPr/>
             </a:pPr>
             <a:r>
-              <a:rPr kumimoji="1" lang="ja-JP" altLang="en-US" sz="1600" b="1" i="0" u="none" strike="noStrike" kern="1200" cap="none" spc="0" normalizeH="0" baseline="0" dirty="0" smtClean="0">
+              <a:rPr kumimoji="1" lang="ja-JP" altLang="en-US" sz="1600" b="1" i="0" u="none" strike="noStrike" kern="1200" cap="none" spc="0" normalizeH="0" baseline="0" dirty="0">
                 <a:ln>
                   <a:noFill/>
                 </a:ln>
@@ -6008,7 +5942,7 @@
               <a:t>③検査用データが該当した単語を、最も多く含む業種を上位から</a:t>
             </a:r>
             <a:r>
-              <a:rPr kumimoji="1" lang="en-US" altLang="ja-JP" sz="1600" b="1" i="0" u="none" strike="noStrike" kern="1200" cap="none" spc="0" normalizeH="0" baseline="0" dirty="0" smtClean="0">
+              <a:rPr kumimoji="1" lang="en-US" altLang="ja-JP" sz="1600" b="1" i="0" u="none" strike="noStrike" kern="1200" cap="none" spc="0" normalizeH="0" baseline="0" dirty="0">
                 <a:ln>
                   <a:noFill/>
                 </a:ln>
@@ -6025,14 +5959,14 @@
               <a:t>3</a:t>
             </a:r>
             <a:r>
-              <a:rPr lang="ja-JP" altLang="en-US" sz="1600" b="1" dirty="0" smtClean="0">
+              <a:rPr lang="ja-JP" altLang="en-US" sz="1600" b="1" dirty="0">
                 <a:latin typeface="+mj-lt"/>
                 <a:ea typeface="+mj-ea"/>
                 <a:cs typeface="+mj-cs"/>
               </a:rPr>
               <a:t>業種回答として出力。</a:t>
             </a:r>
-            <a:endParaRPr kumimoji="1" lang="en-US" altLang="ja-JP" sz="1600" b="1" i="0" u="none" strike="noStrike" kern="1200" cap="none" spc="0" normalizeH="0" baseline="0" noProof="0" dirty="0" smtClean="0">
+            <a:endParaRPr kumimoji="1" lang="en-US" altLang="ja-JP" sz="1600" b="1" i="0" u="none" strike="noStrike" kern="1200" cap="none" spc="0" normalizeH="0" baseline="0" noProof="0" dirty="0">
               <a:ln>
                 <a:noFill/>
               </a:ln>
@@ -6101,19 +6035,9 @@
                   </a:solidFill>
                 </a:ln>
               </a:rPr>
-              <a:t>・・・・・・</a:t>
-            </a:r>
-            <a:r>
-              <a:rPr lang="ja-JP" altLang="en-US" sz="1200" dirty="0" smtClean="0">
-                <a:ln w="19050">
-                  <a:solidFill>
-                    <a:schemeClr val="tx1"/>
-                  </a:solidFill>
-                </a:ln>
-              </a:rPr>
-              <a:t>・</a:t>
-            </a:r>
-            <a:endParaRPr lang="en-US" altLang="ja-JP" sz="1200" dirty="0" smtClean="0">
+              <a:t>・・・・・・・</a:t>
+            </a:r>
+            <a:endParaRPr lang="en-US" altLang="ja-JP" sz="1200" dirty="0">
               <a:ln w="19050">
                 <a:solidFill>
                   <a:schemeClr val="tx1"/>
@@ -6131,19 +6055,9 @@
                   </a:solidFill>
                 </a:ln>
               </a:rPr>
-              <a:t>・・・・・・</a:t>
-            </a:r>
-            <a:r>
-              <a:rPr kumimoji="1" lang="ja-JP" altLang="en-US" sz="1200" dirty="0" smtClean="0">
-                <a:ln w="19050">
-                  <a:solidFill>
-                    <a:schemeClr val="tx1"/>
-                  </a:solidFill>
-                </a:ln>
-              </a:rPr>
-              <a:t>・</a:t>
-            </a:r>
-            <a:endParaRPr kumimoji="1" lang="en-US" altLang="ja-JP" sz="1200" dirty="0" smtClean="0">
+              <a:t>・・・・・・・</a:t>
+            </a:r>
+            <a:endParaRPr kumimoji="1" lang="en-US" altLang="ja-JP" sz="1200" dirty="0">
               <a:ln w="19050">
                 <a:solidFill>
                   <a:schemeClr val="tx1"/>
@@ -6161,17 +6075,7 @@
                   </a:solidFill>
                 </a:ln>
               </a:rPr>
-              <a:t>・・・・・・</a:t>
-            </a:r>
-            <a:r>
-              <a:rPr lang="ja-JP" altLang="en-US" sz="1200" dirty="0" smtClean="0">
-                <a:ln w="19050">
-                  <a:solidFill>
-                    <a:schemeClr val="tx1"/>
-                  </a:solidFill>
-                </a:ln>
-              </a:rPr>
-              <a:t>・</a:t>
+              <a:t>・・・・・・・</a:t>
             </a:r>
             <a:endParaRPr lang="en-US" altLang="ja-JP" sz="1200" dirty="0">
               <a:ln w="19050">
@@ -6284,18 +6188,13 @@
             <a:p>
               <a:pPr algn="ctr"/>
               <a:r>
-                <a:rPr kumimoji="1" lang="ja-JP" altLang="en-US" sz="900" dirty="0" smtClean="0">
+                <a:rPr kumimoji="1" lang="ja-JP" altLang="en-US" sz="900" dirty="0">
                   <a:solidFill>
                     <a:schemeClr val="tx1"/>
                   </a:solidFill>
                 </a:rPr>
                 <a:t>業種</a:t>
               </a:r>
-              <a:endParaRPr kumimoji="1" lang="ja-JP" altLang="en-US" sz="900" dirty="0">
-                <a:solidFill>
-                  <a:schemeClr val="tx1"/>
-                </a:solidFill>
-              </a:endParaRPr>
             </a:p>
           </p:txBody>
         </p:sp>
@@ -6452,7 +6351,7 @@
             <a:p>
               <a:pPr algn="ctr"/>
               <a:r>
-                <a:rPr lang="en-US" altLang="ja-JP" sz="900" dirty="0" smtClean="0">
+                <a:rPr lang="en-US" altLang="ja-JP" sz="900" dirty="0">
                   <a:solidFill>
                     <a:schemeClr val="tx1"/>
                   </a:solidFill>
@@ -6564,7 +6463,7 @@
             <a:p>
               <a:pPr algn="ctr"/>
               <a:r>
-                <a:rPr lang="ja-JP" altLang="en-US" sz="900" dirty="0" smtClean="0">
+                <a:rPr lang="ja-JP" altLang="en-US" sz="900" dirty="0">
                   <a:solidFill>
                     <a:schemeClr val="tx1"/>
                   </a:solidFill>
@@ -6620,7 +6519,7 @@
             <a:p>
               <a:pPr algn="ctr"/>
               <a:r>
-                <a:rPr lang="ja-JP" altLang="en-US" sz="900" dirty="0" smtClean="0">
+                <a:rPr lang="ja-JP" altLang="en-US" sz="900" dirty="0">
                   <a:solidFill>
                     <a:schemeClr val="tx1"/>
                   </a:solidFill>
@@ -6676,7 +6575,7 @@
             <a:p>
               <a:pPr algn="ctr"/>
               <a:r>
-                <a:rPr lang="ja-JP" altLang="en-US" sz="900" dirty="0" smtClean="0">
+                <a:rPr lang="ja-JP" altLang="en-US" sz="900" dirty="0">
                   <a:solidFill>
                     <a:schemeClr val="tx1"/>
                   </a:solidFill>
@@ -6833,7 +6732,7 @@
           <a:p>
             <a:pPr algn="ctr"/>
             <a:r>
-              <a:rPr lang="ja-JP" altLang="en-US" sz="900" dirty="0" smtClean="0">
+              <a:rPr lang="ja-JP" altLang="en-US" sz="900" dirty="0">
                 <a:solidFill>
                   <a:schemeClr val="tx1"/>
                 </a:solidFill>
@@ -6889,18 +6788,13 @@
           <a:p>
             <a:pPr algn="ctr"/>
             <a:r>
-              <a:rPr kumimoji="1" lang="ja-JP" altLang="en-US" sz="900" dirty="0" smtClean="0">
+              <a:rPr kumimoji="1" lang="ja-JP" altLang="en-US" sz="900" dirty="0">
                 <a:solidFill>
                   <a:schemeClr val="tx1"/>
                 </a:solidFill>
               </a:rPr>
               <a:t>辞書</a:t>
             </a:r>
-            <a:endParaRPr kumimoji="1" lang="ja-JP" altLang="en-US" sz="900" dirty="0">
-              <a:solidFill>
-                <a:schemeClr val="tx1"/>
-              </a:solidFill>
-            </a:endParaRPr>
           </a:p>
         </p:txBody>
       </p:sp>
@@ -6945,18 +6839,13 @@
           <a:p>
             <a:pPr algn="ctr"/>
             <a:r>
-              <a:rPr kumimoji="1" lang="ja-JP" altLang="en-US" sz="3600" b="1" dirty="0" smtClean="0">
+              <a:rPr kumimoji="1" lang="ja-JP" altLang="en-US" sz="3600" b="1" dirty="0">
                 <a:solidFill>
                   <a:schemeClr val="tx1"/>
                 </a:solidFill>
               </a:rPr>
               <a:t>①</a:t>
             </a:r>
-            <a:endParaRPr kumimoji="1" lang="ja-JP" altLang="en-US" sz="3600" b="1" dirty="0">
-              <a:solidFill>
-                <a:schemeClr val="tx1"/>
-              </a:solidFill>
-            </a:endParaRPr>
           </a:p>
         </p:txBody>
       </p:sp>
@@ -7119,7 +7008,7 @@
               <a:tabLst/>
             </a:pPr>
             <a:r>
-              <a:rPr kumimoji="0" lang="en-US" altLang="ja-JP" sz="4400" b="0" i="0" u="none" strike="noStrike" cap="none" normalizeH="0" baseline="0" dirty="0" smtClean="0">
+              <a:rPr kumimoji="0" lang="en-US" altLang="ja-JP" sz="4400" b="0" i="0" u="none" strike="noStrike" cap="none" normalizeH="0" baseline="0" dirty="0">
                 <a:ln>
                   <a:noFill/>
                 </a:ln>
@@ -7132,7 +7021,7 @@
               </a:rPr>
               <a:t>AI</a:t>
             </a:r>
-            <a:endParaRPr kumimoji="0" lang="ja-JP" altLang="en-US" sz="4400" b="0" i="0" u="none" strike="noStrike" cap="none" normalizeH="0" baseline="0" dirty="0" smtClean="0">
+            <a:endParaRPr kumimoji="0" lang="ja-JP" altLang="en-US" sz="4400" b="0" i="0" u="none" strike="noStrike" cap="none" normalizeH="0" baseline="0" dirty="0">
               <a:ln>
                 <a:noFill/>
               </a:ln>
@@ -7197,7 +7086,7 @@
               <a:tabLst/>
             </a:pPr>
             <a:r>
-              <a:rPr kumimoji="0" lang="ja-JP" altLang="en-US" sz="1200" b="1" i="0" u="none" strike="noStrike" cap="none" normalizeH="0" baseline="0" dirty="0" smtClean="0">
+              <a:rPr kumimoji="0" lang="ja-JP" altLang="en-US" sz="1200" b="1" i="0" u="none" strike="noStrike" cap="none" normalizeH="0" baseline="0" dirty="0">
                 <a:ln>
                   <a:noFill/>
                 </a:ln>
@@ -7210,7 +7099,7 @@
               </a:rPr>
               <a:t>抽出</a:t>
             </a:r>
-            <a:endParaRPr kumimoji="0" lang="en-US" altLang="ja-JP" sz="1200" b="1" i="0" u="none" strike="noStrike" cap="none" normalizeH="0" baseline="0" dirty="0" smtClean="0">
+            <a:endParaRPr kumimoji="0" lang="en-US" altLang="ja-JP" sz="1200" b="1" i="0" u="none" strike="noStrike" cap="none" normalizeH="0" baseline="0" dirty="0">
               <a:ln>
                 <a:noFill/>
               </a:ln>
@@ -7240,7 +7129,7 @@
               <a:tabLst/>
             </a:pPr>
             <a:r>
-              <a:rPr kumimoji="0" lang="en-US" altLang="ja-JP" sz="1200" b="1" dirty="0" smtClean="0">
+              <a:rPr kumimoji="0" lang="en-US" altLang="ja-JP" sz="1200" b="1" dirty="0">
                 <a:solidFill>
                   <a:schemeClr val="bg1"/>
                 </a:solidFill>
@@ -7281,7 +7170,7 @@
               </a:rPr>
               <a:t>分類</a:t>
             </a:r>
-            <a:endParaRPr kumimoji="0" lang="en-US" altLang="ja-JP" sz="1200" b="1" i="0" u="none" strike="noStrike" cap="none" normalizeH="0" baseline="0" dirty="0" smtClean="0">
+            <a:endParaRPr kumimoji="0" lang="en-US" altLang="ja-JP" sz="1200" b="1" i="0" u="none" strike="noStrike" cap="none" normalizeH="0" baseline="0" dirty="0">
               <a:ln>
                 <a:noFill/>
               </a:ln>
@@ -7485,19 +7374,9 @@
                   </a:solidFill>
                 </a:ln>
               </a:rPr>
-              <a:t>・・・・・・</a:t>
-            </a:r>
-            <a:r>
-              <a:rPr lang="ja-JP" altLang="en-US" sz="1200" dirty="0" smtClean="0">
-                <a:ln w="19050">
-                  <a:solidFill>
-                    <a:schemeClr val="tx1"/>
-                  </a:solidFill>
-                </a:ln>
-              </a:rPr>
-              <a:t>・</a:t>
-            </a:r>
-            <a:endParaRPr lang="en-US" altLang="ja-JP" sz="1200" dirty="0" smtClean="0">
+              <a:t>・・・・・・・</a:t>
+            </a:r>
+            <a:endParaRPr lang="en-US" altLang="ja-JP" sz="1200" dirty="0">
               <a:ln w="19050">
                 <a:solidFill>
                   <a:schemeClr val="tx1"/>
@@ -7515,19 +7394,9 @@
                   </a:solidFill>
                 </a:ln>
               </a:rPr>
-              <a:t>・・・・・・</a:t>
-            </a:r>
-            <a:r>
-              <a:rPr kumimoji="1" lang="ja-JP" altLang="en-US" sz="1200" dirty="0" smtClean="0">
-                <a:ln w="19050">
-                  <a:solidFill>
-                    <a:schemeClr val="tx1"/>
-                  </a:solidFill>
-                </a:ln>
-              </a:rPr>
-              <a:t>・</a:t>
-            </a:r>
-            <a:endParaRPr kumimoji="1" lang="en-US" altLang="ja-JP" sz="1200" dirty="0" smtClean="0">
+              <a:t>・・・・・・・</a:t>
+            </a:r>
+            <a:endParaRPr kumimoji="1" lang="en-US" altLang="ja-JP" sz="1200" dirty="0">
               <a:ln w="19050">
                 <a:solidFill>
                   <a:schemeClr val="tx1"/>
@@ -7545,17 +7414,7 @@
                   </a:solidFill>
                 </a:ln>
               </a:rPr>
-              <a:t>・・・・・・</a:t>
-            </a:r>
-            <a:r>
-              <a:rPr lang="ja-JP" altLang="en-US" sz="1200" dirty="0" smtClean="0">
-                <a:ln w="19050">
-                  <a:solidFill>
-                    <a:schemeClr val="tx1"/>
-                  </a:solidFill>
-                </a:ln>
-              </a:rPr>
-              <a:t>・</a:t>
+              <a:t>・・・・・・・</a:t>
             </a:r>
             <a:endParaRPr lang="en-US" altLang="ja-JP" sz="1200" dirty="0">
               <a:ln w="19050">
@@ -7608,7 +7467,7 @@
           <a:p>
             <a:pPr algn="ctr"/>
             <a:r>
-              <a:rPr lang="ja-JP" altLang="en-US" sz="900" dirty="0" smtClean="0">
+              <a:rPr lang="ja-JP" altLang="en-US" sz="900" dirty="0">
                 <a:solidFill>
                   <a:schemeClr val="tx1"/>
                 </a:solidFill>
@@ -7674,7 +7533,7 @@
               <a:tabLst/>
             </a:pPr>
             <a:r>
-              <a:rPr kumimoji="0" lang="ja-JP" altLang="en-US" sz="1200" b="1" i="0" u="none" strike="noStrike" cap="none" normalizeH="0" baseline="0" dirty="0" smtClean="0">
+              <a:rPr kumimoji="0" lang="ja-JP" altLang="en-US" sz="1200" b="1" i="0" u="none" strike="noStrike" cap="none" normalizeH="0" baseline="0" dirty="0">
                 <a:ln>
                   <a:noFill/>
                 </a:ln>
@@ -7687,7 +7546,7 @@
               </a:rPr>
               <a:t>照合</a:t>
             </a:r>
-            <a:endParaRPr kumimoji="0" lang="en-US" altLang="ja-JP" sz="1200" b="1" i="0" u="none" strike="noStrike" cap="none" normalizeH="0" baseline="0" dirty="0" smtClean="0">
+            <a:endParaRPr kumimoji="0" lang="en-US" altLang="ja-JP" sz="1200" b="1" i="0" u="none" strike="noStrike" cap="none" normalizeH="0" baseline="0" dirty="0">
               <a:ln>
                 <a:noFill/>
               </a:ln>
@@ -7802,18 +7661,13 @@
             <a:p>
               <a:pPr algn="ctr"/>
               <a:r>
-                <a:rPr kumimoji="1" lang="ja-JP" altLang="en-US" sz="900" b="1" dirty="0" smtClean="0">
+                <a:rPr kumimoji="1" lang="ja-JP" altLang="en-US" sz="900" b="1" dirty="0">
                   <a:solidFill>
                     <a:schemeClr val="tx1"/>
                   </a:solidFill>
                 </a:rPr>
                 <a:t>業種</a:t>
               </a:r>
-              <a:endParaRPr kumimoji="1" lang="ja-JP" altLang="en-US" sz="900" b="1" dirty="0">
-                <a:solidFill>
-                  <a:schemeClr val="tx1"/>
-                </a:solidFill>
-              </a:endParaRPr>
             </a:p>
           </p:txBody>
         </p:sp>
@@ -7970,7 +7824,7 @@
             <a:p>
               <a:pPr algn="ctr"/>
               <a:r>
-                <a:rPr lang="en-US" altLang="ja-JP" sz="900" b="1" dirty="0" smtClean="0">
+                <a:rPr lang="en-US" altLang="ja-JP" sz="900" b="1" dirty="0">
                   <a:solidFill>
                     <a:schemeClr val="tx1"/>
                   </a:solidFill>
@@ -8082,7 +7936,7 @@
             <a:p>
               <a:pPr algn="ctr"/>
               <a:r>
-                <a:rPr lang="ja-JP" altLang="en-US" sz="900" b="1" dirty="0" smtClean="0">
+                <a:rPr lang="ja-JP" altLang="en-US" sz="900" b="1" dirty="0">
                   <a:solidFill>
                     <a:schemeClr val="tx1"/>
                   </a:solidFill>
@@ -8138,7 +7992,7 @@
             <a:p>
               <a:pPr algn="ctr"/>
               <a:r>
-                <a:rPr lang="ja-JP" altLang="en-US" sz="900" b="1" dirty="0" smtClean="0">
+                <a:rPr lang="ja-JP" altLang="en-US" sz="900" b="1" dirty="0">
                   <a:solidFill>
                     <a:schemeClr val="tx1"/>
                   </a:solidFill>
@@ -8194,7 +8048,7 @@
             <a:p>
               <a:pPr algn="ctr"/>
               <a:r>
-                <a:rPr lang="ja-JP" altLang="en-US" sz="900" b="1" dirty="0" smtClean="0">
+                <a:rPr lang="ja-JP" altLang="en-US" sz="900" b="1" dirty="0">
                   <a:solidFill>
                     <a:schemeClr val="tx1"/>
                   </a:solidFill>
@@ -8251,18 +8105,13 @@
           <a:p>
             <a:pPr algn="ctr"/>
             <a:r>
-              <a:rPr kumimoji="1" lang="ja-JP" altLang="en-US" sz="900" b="1" dirty="0" smtClean="0">
+              <a:rPr kumimoji="1" lang="ja-JP" altLang="en-US" sz="900" b="1" dirty="0">
                 <a:solidFill>
                   <a:schemeClr val="tx1"/>
                 </a:solidFill>
               </a:rPr>
               <a:t>辞書</a:t>
             </a:r>
-            <a:endParaRPr kumimoji="1" lang="ja-JP" altLang="en-US" sz="900" b="1" dirty="0">
-              <a:solidFill>
-                <a:schemeClr val="tx1"/>
-              </a:solidFill>
-            </a:endParaRPr>
           </a:p>
         </p:txBody>
       </p:sp>
@@ -8429,7 +8278,7 @@
               </a:rPr>
               <a:t>回答</a:t>
             </a:r>
-            <a:endParaRPr kumimoji="0" lang="en-US" altLang="ja-JP" sz="1200" b="1" i="0" u="none" strike="noStrike" cap="none" normalizeH="0" baseline="0" dirty="0" smtClean="0">
+            <a:endParaRPr kumimoji="0" lang="en-US" altLang="ja-JP" sz="1200" b="1" i="0" u="none" strike="noStrike" cap="none" normalizeH="0" baseline="0" dirty="0">
               <a:ln>
                 <a:noFill/>
               </a:ln>
@@ -8530,7 +8379,7 @@
           <a:p>
             <a:pPr algn="ctr"/>
             <a:r>
-              <a:rPr lang="ja-JP" altLang="en-US" sz="900" dirty="0" smtClean="0">
+              <a:rPr lang="ja-JP" altLang="en-US" sz="900" dirty="0">
                 <a:solidFill>
                   <a:schemeClr val="tx1"/>
                 </a:solidFill>
@@ -8586,7 +8435,7 @@
           <a:p>
             <a:pPr algn="ctr"/>
             <a:r>
-              <a:rPr lang="en-US" altLang="ja-JP" sz="900" dirty="0" smtClean="0">
+              <a:rPr lang="en-US" altLang="ja-JP" sz="900" dirty="0">
                 <a:solidFill>
                   <a:schemeClr val="tx1"/>
                 </a:solidFill>
@@ -8594,7 +8443,7 @@
               <a:t>&lt;</a:t>
             </a:r>
             <a:r>
-              <a:rPr lang="ja-JP" altLang="en-US" sz="900" dirty="0" smtClean="0">
+              <a:rPr lang="ja-JP" altLang="en-US" sz="900" dirty="0">
                 <a:solidFill>
                   <a:schemeClr val="tx1"/>
                 </a:solidFill>
@@ -8602,7 +8451,7 @@
               <a:t>業種コード</a:t>
             </a:r>
             <a:r>
-              <a:rPr lang="en-US" altLang="ja-JP" sz="900" dirty="0" smtClean="0">
+              <a:rPr lang="en-US" altLang="ja-JP" sz="900" dirty="0">
                 <a:solidFill>
                   <a:schemeClr val="tx1"/>
                 </a:solidFill>
@@ -8658,7 +8507,7 @@
           <a:p>
             <a:pPr algn="ctr"/>
             <a:r>
-              <a:rPr lang="en-US" altLang="ja-JP" sz="900" dirty="0" smtClean="0">
+              <a:rPr lang="en-US" altLang="ja-JP" sz="900" dirty="0">
                 <a:solidFill>
                   <a:schemeClr val="tx1"/>
                 </a:solidFill>
@@ -8666,7 +8515,7 @@
               <a:t>&lt;</a:t>
             </a:r>
             <a:r>
-              <a:rPr lang="ja-JP" altLang="en-US" sz="900" dirty="0" smtClean="0">
+              <a:rPr lang="ja-JP" altLang="en-US" sz="900" dirty="0">
                 <a:solidFill>
                   <a:schemeClr val="tx1"/>
                 </a:solidFill>
@@ -8674,7 +8523,7 @@
               <a:t>業種</a:t>
             </a:r>
             <a:r>
-              <a:rPr lang="en-US" altLang="ja-JP" sz="900" dirty="0" smtClean="0">
+              <a:rPr lang="en-US" altLang="ja-JP" sz="900" dirty="0">
                 <a:solidFill>
                   <a:schemeClr val="tx1"/>
                 </a:solidFill>
@@ -8730,7 +8579,7 @@
           <a:p>
             <a:pPr algn="ctr"/>
             <a:r>
-              <a:rPr lang="en-US" altLang="ja-JP" sz="900" dirty="0" smtClean="0">
+              <a:rPr lang="en-US" altLang="ja-JP" sz="900" dirty="0">
                 <a:solidFill>
                   <a:schemeClr val="tx1"/>
                 </a:solidFill>
@@ -8738,7 +8587,7 @@
               <a:t>&lt;</a:t>
             </a:r>
             <a:r>
-              <a:rPr lang="ja-JP" altLang="en-US" sz="900" dirty="0" smtClean="0">
+              <a:rPr lang="ja-JP" altLang="en-US" sz="900" dirty="0">
                 <a:solidFill>
                   <a:schemeClr val="tx1"/>
                 </a:solidFill>
@@ -8751,15 +8600,7 @@
                   <a:schemeClr val="tx1"/>
                 </a:solidFill>
               </a:rPr>
-              <a:t>2</a:t>
-            </a:r>
-            <a:r>
-              <a:rPr lang="en-US" altLang="ja-JP" sz="900" dirty="0" smtClean="0">
-                <a:solidFill>
-                  <a:schemeClr val="tx1"/>
-                </a:solidFill>
-              </a:rPr>
-              <a:t>&gt;</a:t>
+              <a:t>2&gt;</a:t>
             </a:r>
             <a:endParaRPr kumimoji="1" lang="ja-JP" altLang="en-US" sz="900" dirty="0">
               <a:solidFill>
@@ -8810,7 +8651,7 @@
           <a:p>
             <a:pPr algn="ctr"/>
             <a:r>
-              <a:rPr lang="en-US" altLang="ja-JP" sz="900" dirty="0" smtClean="0">
+              <a:rPr lang="en-US" altLang="ja-JP" sz="900" dirty="0">
                 <a:solidFill>
                   <a:schemeClr val="tx1"/>
                 </a:solidFill>
@@ -8818,7 +8659,7 @@
               <a:t>&lt;</a:t>
             </a:r>
             <a:r>
-              <a:rPr lang="ja-JP" altLang="en-US" sz="900" dirty="0" smtClean="0">
+              <a:rPr lang="ja-JP" altLang="en-US" sz="900" dirty="0">
                 <a:solidFill>
                   <a:schemeClr val="tx1"/>
                 </a:solidFill>
@@ -8831,15 +8672,7 @@
                   <a:schemeClr val="tx1"/>
                 </a:solidFill>
               </a:rPr>
-              <a:t>2</a:t>
-            </a:r>
-            <a:r>
-              <a:rPr lang="en-US" altLang="ja-JP" sz="900" dirty="0" smtClean="0">
-                <a:solidFill>
-                  <a:schemeClr val="tx1"/>
-                </a:solidFill>
-              </a:rPr>
-              <a:t>&gt;</a:t>
+              <a:t>2&gt;</a:t>
             </a:r>
             <a:endParaRPr kumimoji="1" lang="ja-JP" altLang="en-US" sz="900" dirty="0">
               <a:solidFill>
@@ -8890,7 +8723,7 @@
           <a:p>
             <a:pPr algn="ctr"/>
             <a:r>
-              <a:rPr lang="en-US" altLang="ja-JP" sz="900" dirty="0" smtClean="0">
+              <a:rPr lang="en-US" altLang="ja-JP" sz="900" dirty="0">
                 <a:solidFill>
                   <a:schemeClr val="tx1"/>
                 </a:solidFill>
@@ -8898,7 +8731,7 @@
               <a:t>&lt;</a:t>
             </a:r>
             <a:r>
-              <a:rPr lang="ja-JP" altLang="en-US" sz="900" dirty="0" smtClean="0">
+              <a:rPr lang="ja-JP" altLang="en-US" sz="900" dirty="0">
                 <a:solidFill>
                   <a:schemeClr val="tx1"/>
                 </a:solidFill>
@@ -8906,7 +8739,7 @@
               <a:t>業種コード</a:t>
             </a:r>
             <a:r>
-              <a:rPr lang="en-US" altLang="ja-JP" sz="900" dirty="0" smtClean="0">
+              <a:rPr lang="en-US" altLang="ja-JP" sz="900" dirty="0">
                 <a:solidFill>
                   <a:schemeClr val="tx1"/>
                 </a:solidFill>
@@ -8962,7 +8795,7 @@
           <a:p>
             <a:pPr algn="ctr"/>
             <a:r>
-              <a:rPr lang="en-US" altLang="ja-JP" sz="900" dirty="0" smtClean="0">
+              <a:rPr lang="en-US" altLang="ja-JP" sz="900" dirty="0">
                 <a:solidFill>
                   <a:schemeClr val="tx1"/>
                 </a:solidFill>
@@ -8970,7 +8803,7 @@
               <a:t>&lt;</a:t>
             </a:r>
             <a:r>
-              <a:rPr lang="ja-JP" altLang="en-US" sz="900" dirty="0" smtClean="0">
+              <a:rPr lang="ja-JP" altLang="en-US" sz="900" dirty="0">
                 <a:solidFill>
                   <a:schemeClr val="tx1"/>
                 </a:solidFill>
@@ -8978,7 +8811,7 @@
               <a:t>業種</a:t>
             </a:r>
             <a:r>
-              <a:rPr lang="en-US" altLang="ja-JP" sz="900" dirty="0" smtClean="0">
+              <a:rPr lang="en-US" altLang="ja-JP" sz="900" dirty="0">
                 <a:solidFill>
                   <a:schemeClr val="tx1"/>
                 </a:solidFill>
@@ -9135,7 +8968,7 @@
                 </a:spcAft>
               </a:pPr>
               <a:r>
-                <a:rPr kumimoji="0" lang="ja-JP" altLang="en-US" sz="3600" dirty="0" smtClean="0">
+                <a:rPr kumimoji="0" lang="ja-JP" altLang="en-US" sz="3600" dirty="0">
                   <a:solidFill>
                     <a:schemeClr val="bg1"/>
                   </a:solidFill>
@@ -9145,7 +8978,7 @@
                 </a:rPr>
                 <a:t>　使用ツール・辞書</a:t>
               </a:r>
-              <a:endParaRPr kumimoji="0" lang="ja-JP" altLang="en-US" sz="3600" b="0" i="0" u="none" strike="noStrike" cap="none" normalizeH="0" baseline="0" dirty="0" smtClean="0">
+              <a:endParaRPr kumimoji="0" lang="ja-JP" altLang="en-US" sz="3600" b="0" i="0" u="none" strike="noStrike" cap="none" normalizeH="0" baseline="0" dirty="0">
                 <a:ln>
                   <a:noFill/>
                 </a:ln>
@@ -9222,7 +9055,7 @@
                 </a:rPr>
                 <a:t>3</a:t>
               </a:r>
-              <a:endParaRPr kumimoji="0" lang="ja-JP" altLang="en-US" sz="4400" b="0" i="0" u="none" strike="noStrike" cap="none" normalizeH="0" baseline="0" dirty="0" smtClean="0">
+              <a:endParaRPr kumimoji="0" lang="ja-JP" altLang="en-US" sz="4400" b="0" i="0" u="none" strike="noStrike" cap="none" normalizeH="0" baseline="0" dirty="0">
                 <a:ln>
                   <a:noFill/>
                 </a:ln>
@@ -9247,7 +9080,7 @@
         </p:nvSpPr>
         <p:spPr>
           <a:xfrm>
-            <a:off x="827584" y="1268760"/>
+            <a:off x="856517" y="1340768"/>
             <a:ext cx="7920880" cy="1470025"/>
           </a:xfrm>
           <a:prstGeom prst="rect">
@@ -9255,8 +9088,8 @@
           </a:prstGeom>
         </p:spPr>
         <p:txBody>
-          <a:bodyPr vert="horz" lIns="91440" tIns="45720" rIns="91440" bIns="45720" rtlCol="0" anchor="ctr">
-            <a:normAutofit/>
+          <a:bodyPr vert="horz" lIns="91440" tIns="45720" rIns="91440" bIns="45720" rtlCol="0" anchor="t" anchorCtr="0">
+            <a:noAutofit/>
           </a:bodyPr>
           <a:lstStyle/>
           <a:p>
@@ -9278,7 +9111,7 @@
               <a:defRPr/>
             </a:pPr>
             <a:r>
-              <a:rPr kumimoji="1" lang="ja-JP" altLang="en-US" sz="1600" i="0" u="none" strike="noStrike" kern="1200" cap="none" spc="0" normalizeH="0" baseline="0" noProof="0" dirty="0" smtClean="0">
+              <a:rPr kumimoji="1" lang="ja-JP" altLang="en-US" sz="1600" i="0" u="none" strike="noStrike" kern="1200" cap="none" spc="0" normalizeH="0" baseline="0" noProof="0" dirty="0">
                 <a:ln>
                   <a:noFill/>
                 </a:ln>
@@ -9292,9 +9125,9 @@
                 <a:ea typeface="+mj-ea"/>
                 <a:cs typeface="+mj-cs"/>
               </a:rPr>
-              <a:t>使用ツールおよび辞書は以下の通り。</a:t>
-            </a:r>
-            <a:endParaRPr kumimoji="1" lang="en-US" altLang="ja-JP" sz="1600" i="0" u="none" strike="noStrike" kern="1200" cap="none" spc="0" normalizeH="0" baseline="0" noProof="0" dirty="0" smtClean="0">
+              <a:t>使用ツール・ライブラリおよび辞書は以下の通り。</a:t>
+            </a:r>
+            <a:endParaRPr kumimoji="1" lang="en-US" altLang="ja-JP" sz="1600" i="0" u="none" strike="noStrike" kern="1200" cap="none" spc="0" normalizeH="0" baseline="0" noProof="0" dirty="0">
               <a:ln>
                 <a:noFill/>
               </a:ln>
@@ -9327,8 +9160,64 @@
               <a:tabLst/>
               <a:defRPr/>
             </a:pPr>
-            <a:r>
-              <a:rPr lang="ja-JP" altLang="en-US" sz="1600" dirty="0" smtClean="0">
+            <a:endParaRPr lang="en-US" altLang="ja-JP" sz="1600" dirty="0">
+              <a:latin typeface="+mj-lt"/>
+              <a:ea typeface="+mj-ea"/>
+              <a:cs typeface="+mj-cs"/>
+            </a:endParaRPr>
+          </a:p>
+          <a:p>
+            <a:pPr marL="0" marR="0" lvl="0" indent="0" defTabSz="914400" rtl="0" eaLnBrk="1" fontAlgn="auto" latinLnBrk="0" hangingPunct="1">
+              <a:lnSpc>
+                <a:spcPct val="100000"/>
+              </a:lnSpc>
+              <a:spcBef>
+                <a:spcPct val="0"/>
+              </a:spcBef>
+              <a:spcAft>
+                <a:spcPts val="0"/>
+              </a:spcAft>
+              <a:buClrTx/>
+              <a:buSzTx/>
+              <a:buFontTx/>
+              <a:buNone/>
+              <a:tabLst/>
+              <a:defRPr/>
+            </a:pPr>
+            <a:r>
+              <a:rPr lang="ja-JP" altLang="en-US" sz="1600" dirty="0">
+                <a:latin typeface="+mj-lt"/>
+                <a:ea typeface="+mj-ea"/>
+                <a:cs typeface="+mj-cs"/>
+              </a:rPr>
+              <a:t>＜使用ツール＞</a:t>
+            </a:r>
+            <a:endParaRPr lang="en-US" altLang="ja-JP" sz="1600" dirty="0">
+              <a:latin typeface="+mj-lt"/>
+              <a:ea typeface="+mj-ea"/>
+              <a:cs typeface="+mj-cs"/>
+            </a:endParaRPr>
+          </a:p>
+          <a:p>
+            <a:pPr marL="0" marR="0" lvl="0" indent="0" defTabSz="914400" rtl="0" eaLnBrk="1" fontAlgn="auto" latinLnBrk="0" hangingPunct="1">
+              <a:lnSpc>
+                <a:spcPct val="100000"/>
+              </a:lnSpc>
+              <a:spcBef>
+                <a:spcPct val="0"/>
+              </a:spcBef>
+              <a:spcAft>
+                <a:spcPts val="0"/>
+              </a:spcAft>
+              <a:buClrTx/>
+              <a:buSzTx/>
+              <a:buFontTx/>
+              <a:buNone/>
+              <a:tabLst/>
+              <a:defRPr/>
+            </a:pPr>
+            <a:r>
+              <a:rPr lang="ja-JP" altLang="en-US" sz="1600" dirty="0">
                 <a:latin typeface="+mj-lt"/>
                 <a:ea typeface="+mj-ea"/>
                 <a:cs typeface="+mj-cs"/>
@@ -9336,14 +9225,265 @@
               <a:t>・</a:t>
             </a:r>
             <a:r>
-              <a:rPr lang="en-US" altLang="ja-JP" sz="1600" dirty="0" err="1" smtClean="0">
+              <a:rPr lang="en-US" altLang="ja-JP" sz="1600" dirty="0" err="1">
                 <a:latin typeface="+mj-lt"/>
                 <a:ea typeface="+mj-ea"/>
                 <a:cs typeface="+mj-cs"/>
               </a:rPr>
               <a:t>MeCab</a:t>
             </a:r>
-            <a:endParaRPr kumimoji="1" lang="en-US" altLang="ja-JP" sz="1600" i="0" u="none" strike="noStrike" kern="1200" cap="none" spc="0" normalizeH="0" baseline="0" noProof="0" dirty="0" smtClean="0">
+            <a:endParaRPr lang="en-US" altLang="ja-JP" sz="1600" dirty="0">
+              <a:latin typeface="+mj-lt"/>
+              <a:ea typeface="+mj-ea"/>
+              <a:cs typeface="+mj-cs"/>
+            </a:endParaRPr>
+          </a:p>
+          <a:p>
+            <a:pPr marL="0" marR="0" lvl="0" indent="0" defTabSz="914400" rtl="0" eaLnBrk="1" fontAlgn="auto" latinLnBrk="0" hangingPunct="1">
+              <a:lnSpc>
+                <a:spcPct val="100000"/>
+              </a:lnSpc>
+              <a:spcBef>
+                <a:spcPct val="0"/>
+              </a:spcBef>
+              <a:spcAft>
+                <a:spcPts val="0"/>
+              </a:spcAft>
+              <a:buClrTx/>
+              <a:buSzTx/>
+              <a:buFontTx/>
+              <a:buNone/>
+              <a:tabLst/>
+              <a:defRPr/>
+            </a:pPr>
+            <a:endParaRPr kumimoji="1" lang="en-US" altLang="ja-JP" sz="1600" i="0" u="none" strike="noStrike" kern="1200" cap="none" spc="0" normalizeH="0" baseline="0" noProof="0" dirty="0">
+              <a:ln>
+                <a:noFill/>
+              </a:ln>
+              <a:solidFill>
+                <a:schemeClr val="tx1"/>
+              </a:solidFill>
+              <a:effectLst/>
+              <a:uLnTx/>
+              <a:uFillTx/>
+              <a:latin typeface="+mj-lt"/>
+              <a:ea typeface="+mj-ea"/>
+              <a:cs typeface="+mj-cs"/>
+            </a:endParaRPr>
+          </a:p>
+          <a:p>
+            <a:pPr marL="0" marR="0" lvl="0" indent="0" defTabSz="914400" rtl="0" eaLnBrk="1" fontAlgn="auto" latinLnBrk="0" hangingPunct="1">
+              <a:lnSpc>
+                <a:spcPct val="100000"/>
+              </a:lnSpc>
+              <a:spcBef>
+                <a:spcPct val="0"/>
+              </a:spcBef>
+              <a:spcAft>
+                <a:spcPts val="0"/>
+              </a:spcAft>
+              <a:buClrTx/>
+              <a:buSzTx/>
+              <a:buFontTx/>
+              <a:buNone/>
+              <a:tabLst/>
+              <a:defRPr/>
+            </a:pPr>
+            <a:r>
+              <a:rPr lang="ja-JP" altLang="en-US" sz="1600" dirty="0">
+                <a:latin typeface="+mj-lt"/>
+                <a:ea typeface="+mj-ea"/>
+                <a:cs typeface="+mj-cs"/>
+              </a:rPr>
+              <a:t>＜使用ライブラリ＞</a:t>
+            </a:r>
+            <a:endParaRPr lang="en-US" altLang="ja-JP" sz="1600" dirty="0">
+              <a:latin typeface="+mj-lt"/>
+              <a:ea typeface="+mj-ea"/>
+              <a:cs typeface="+mj-cs"/>
+            </a:endParaRPr>
+          </a:p>
+          <a:p>
+            <a:pPr lvl="0">
+              <a:spcBef>
+                <a:spcPct val="0"/>
+              </a:spcBef>
+              <a:defRPr/>
+            </a:pPr>
+            <a:r>
+              <a:rPr lang="ja-JP" altLang="en-US" sz="1600" dirty="0">
+                <a:latin typeface="+mj-lt"/>
+                <a:ea typeface="+mj-ea"/>
+                <a:cs typeface="+mj-cs"/>
+              </a:rPr>
+              <a:t>・</a:t>
+            </a:r>
+            <a:r>
+              <a:rPr lang="en-US" altLang="ja-JP" sz="1600" dirty="0">
+                <a:latin typeface="+mj-lt"/>
+                <a:ea typeface="+mj-ea"/>
+                <a:cs typeface="+mj-cs"/>
+              </a:rPr>
+              <a:t>collections</a:t>
+            </a:r>
+          </a:p>
+          <a:p>
+            <a:pPr lvl="0">
+              <a:spcBef>
+                <a:spcPct val="0"/>
+              </a:spcBef>
+              <a:defRPr/>
+            </a:pPr>
+            <a:r>
+              <a:rPr lang="ja-JP" altLang="en-US" sz="1600" dirty="0">
+                <a:latin typeface="+mj-lt"/>
+                <a:ea typeface="+mj-ea"/>
+                <a:cs typeface="+mj-cs"/>
+              </a:rPr>
+              <a:t>・</a:t>
+            </a:r>
+            <a:r>
+              <a:rPr lang="en-US" altLang="ja-JP" sz="1600" dirty="0" err="1">
+                <a:latin typeface="+mj-lt"/>
+                <a:ea typeface="+mj-ea"/>
+                <a:cs typeface="+mj-cs"/>
+              </a:rPr>
+              <a:t>MeCab</a:t>
+            </a:r>
+            <a:endParaRPr lang="en-US" altLang="ja-JP" sz="1600" dirty="0">
+              <a:latin typeface="+mj-lt"/>
+              <a:ea typeface="+mj-ea"/>
+              <a:cs typeface="+mj-cs"/>
+            </a:endParaRPr>
+          </a:p>
+          <a:p>
+            <a:pPr lvl="0">
+              <a:spcBef>
+                <a:spcPct val="0"/>
+              </a:spcBef>
+              <a:defRPr/>
+            </a:pPr>
+            <a:r>
+              <a:rPr lang="ja-JP" altLang="en-US" sz="1600" dirty="0">
+                <a:latin typeface="+mj-lt"/>
+                <a:ea typeface="+mj-ea"/>
+                <a:cs typeface="+mj-cs"/>
+              </a:rPr>
+              <a:t>・</a:t>
+            </a:r>
+            <a:r>
+              <a:rPr lang="en-US" altLang="ja-JP" sz="1600" dirty="0" err="1">
+                <a:latin typeface="+mj-lt"/>
+                <a:ea typeface="+mj-ea"/>
+                <a:cs typeface="+mj-cs"/>
+              </a:rPr>
+              <a:t>os</a:t>
+            </a:r>
+            <a:endParaRPr lang="en-US" altLang="ja-JP" sz="1600" dirty="0">
+              <a:latin typeface="+mj-lt"/>
+              <a:ea typeface="+mj-ea"/>
+              <a:cs typeface="+mj-cs"/>
+            </a:endParaRPr>
+          </a:p>
+          <a:p>
+            <a:pPr lvl="0">
+              <a:spcBef>
+                <a:spcPct val="0"/>
+              </a:spcBef>
+              <a:defRPr/>
+            </a:pPr>
+            <a:r>
+              <a:rPr lang="ja-JP" altLang="en-US" sz="1600" dirty="0">
+                <a:latin typeface="+mj-lt"/>
+                <a:ea typeface="+mj-ea"/>
+                <a:cs typeface="+mj-cs"/>
+              </a:rPr>
+              <a:t>・</a:t>
+            </a:r>
+            <a:r>
+              <a:rPr lang="en-US" altLang="ja-JP" sz="1600" dirty="0">
+                <a:latin typeface="+mj-lt"/>
+                <a:ea typeface="+mj-ea"/>
+                <a:cs typeface="+mj-cs"/>
+              </a:rPr>
+              <a:t>pandas</a:t>
+            </a:r>
+          </a:p>
+          <a:p>
+            <a:pPr lvl="0">
+              <a:spcBef>
+                <a:spcPct val="0"/>
+              </a:spcBef>
+              <a:defRPr/>
+            </a:pPr>
+            <a:r>
+              <a:rPr lang="ja-JP" altLang="en-US" sz="1600" dirty="0">
+                <a:latin typeface="+mj-lt"/>
+                <a:ea typeface="+mj-ea"/>
+                <a:cs typeface="+mj-cs"/>
+              </a:rPr>
+              <a:t>・</a:t>
+            </a:r>
+            <a:r>
+              <a:rPr lang="en-US" altLang="ja-JP" sz="1600" dirty="0">
+                <a:latin typeface="+mj-lt"/>
+                <a:ea typeface="+mj-ea"/>
+                <a:cs typeface="+mj-cs"/>
+              </a:rPr>
+              <a:t>re</a:t>
+            </a:r>
+          </a:p>
+          <a:p>
+            <a:pPr marL="0" marR="0" lvl="0" indent="0" defTabSz="914400" rtl="0" eaLnBrk="1" fontAlgn="auto" latinLnBrk="0" hangingPunct="1">
+              <a:lnSpc>
+                <a:spcPct val="100000"/>
+              </a:lnSpc>
+              <a:spcBef>
+                <a:spcPct val="0"/>
+              </a:spcBef>
+              <a:spcAft>
+                <a:spcPts val="0"/>
+              </a:spcAft>
+              <a:buClrTx/>
+              <a:buSzTx/>
+              <a:buFontTx/>
+              <a:buNone/>
+              <a:tabLst/>
+              <a:defRPr/>
+            </a:pPr>
+            <a:endParaRPr lang="en-US" altLang="ja-JP" sz="1600" dirty="0">
+              <a:latin typeface="+mj-lt"/>
+              <a:ea typeface="+mj-ea"/>
+              <a:cs typeface="+mj-cs"/>
+            </a:endParaRPr>
+          </a:p>
+          <a:p>
+            <a:pPr marL="0" marR="0" lvl="0" indent="0" defTabSz="914400" rtl="0" eaLnBrk="1" fontAlgn="auto" latinLnBrk="0" hangingPunct="1">
+              <a:lnSpc>
+                <a:spcPct val="100000"/>
+              </a:lnSpc>
+              <a:spcBef>
+                <a:spcPct val="0"/>
+              </a:spcBef>
+              <a:spcAft>
+                <a:spcPts val="0"/>
+              </a:spcAft>
+              <a:buClrTx/>
+              <a:buSzTx/>
+              <a:buFontTx/>
+              <a:buNone/>
+              <a:tabLst/>
+              <a:defRPr/>
+            </a:pPr>
+            <a:r>
+              <a:rPr lang="en-US" altLang="ja-JP" sz="1600" dirty="0">
+                <a:latin typeface="+mj-lt"/>
+                <a:ea typeface="+mj-ea"/>
+                <a:cs typeface="+mj-cs"/>
+              </a:rPr>
+              <a:t> </a:t>
+            </a:r>
+            <a:endParaRPr kumimoji="1" lang="en-US" altLang="ja-JP" sz="1600" i="0" u="none" strike="noStrike" kern="1200" cap="none" spc="0" normalizeH="0" baseline="0" noProof="0" dirty="0">
               <a:ln>
                 <a:noFill/>
               </a:ln>
@@ -9446,17 +9586,6 @@
                 </a:spcAft>
               </a:pPr>
               <a:r>
-                <a:rPr kumimoji="0" lang="ja-JP" altLang="en-US" sz="3600" dirty="0" smtClean="0">
-                  <a:solidFill>
-                    <a:schemeClr val="bg1"/>
-                  </a:solidFill>
-                  <a:latin typeface="Times" pitchFamily="18" charset="0"/>
-                  <a:ea typeface="PMingLiU" pitchFamily="18" charset="-120"/>
-                  <a:cs typeface="Times" pitchFamily="18" charset="0"/>
-                </a:rPr>
-                <a:t>　</a:t>
-              </a:r>
-              <a:r>
                 <a:rPr kumimoji="0" lang="ja-JP" altLang="en-US" sz="3600" dirty="0">
                   <a:solidFill>
                     <a:schemeClr val="bg1"/>
@@ -9465,20 +9594,9 @@
                   <a:ea typeface="PMingLiU" pitchFamily="18" charset="-120"/>
                   <a:cs typeface="Times" pitchFamily="18" charset="0"/>
                 </a:rPr>
-                <a:t>今後</a:t>
+                <a:t>　今後の課題</a:t>
               </a:r>
-              <a:r>
-                <a:rPr kumimoji="0" lang="ja-JP" altLang="en-US" sz="3600" dirty="0" smtClean="0">
-                  <a:solidFill>
-                    <a:schemeClr val="bg1"/>
-                  </a:solidFill>
-                  <a:latin typeface="Times" pitchFamily="18" charset="0"/>
-                  <a:ea typeface="PMingLiU" pitchFamily="18" charset="-120"/>
-                  <a:cs typeface="Times" pitchFamily="18" charset="0"/>
-                </a:rPr>
-                <a:t>の課題</a:t>
-              </a:r>
-              <a:endParaRPr kumimoji="0" lang="ja-JP" altLang="en-US" sz="3600" b="0" i="0" u="none" strike="noStrike" cap="none" normalizeH="0" baseline="0" dirty="0" smtClean="0">
+              <a:endParaRPr kumimoji="0" lang="ja-JP" altLang="en-US" sz="3600" b="0" i="0" u="none" strike="noStrike" cap="none" normalizeH="0" baseline="0" dirty="0">
                 <a:ln>
                   <a:noFill/>
                 </a:ln>
@@ -9546,7 +9664,7 @@
                 <a:tabLst/>
               </a:pPr>
               <a:r>
-                <a:rPr kumimoji="0" lang="en-US" altLang="ja-JP" sz="4400" dirty="0" smtClean="0">
+                <a:rPr kumimoji="0" lang="en-US" altLang="ja-JP" sz="4400" dirty="0">
                   <a:solidFill>
                     <a:schemeClr val="bg1"/>
                   </a:solidFill>
@@ -9600,259 +9718,14 @@
               <a:defRPr/>
             </a:pPr>
             <a:r>
-              <a:rPr lang="ja-JP" altLang="en-US" sz="1600" dirty="0" smtClean="0">
+              <a:rPr lang="ja-JP" altLang="en-US" sz="1600" dirty="0">
                 <a:latin typeface="+mj-lt"/>
                 <a:ea typeface="+mj-ea"/>
                 <a:cs typeface="+mj-cs"/>
               </a:rPr>
               <a:t>本開発を通してチームとして認識した課題・気付きは下記の通り。</a:t>
             </a:r>
-            <a:endParaRPr lang="en-US" altLang="ja-JP" sz="1600" dirty="0" smtClean="0">
-              <a:latin typeface="+mj-lt"/>
-              <a:ea typeface="+mj-ea"/>
-              <a:cs typeface="+mj-cs"/>
-            </a:endParaRPr>
-          </a:p>
-          <a:p>
-            <a:pPr marL="0" marR="0" lvl="0" indent="0" defTabSz="914400" rtl="0" eaLnBrk="1" fontAlgn="t" latinLnBrk="0" hangingPunct="1">
-              <a:lnSpc>
-                <a:spcPct val="100000"/>
-              </a:lnSpc>
-              <a:spcBef>
-                <a:spcPct val="0"/>
-              </a:spcBef>
-              <a:spcAft>
-                <a:spcPts val="0"/>
-              </a:spcAft>
-              <a:buClrTx/>
-              <a:buSzTx/>
-              <a:buFontTx/>
-              <a:buNone/>
-              <a:tabLst/>
-              <a:defRPr/>
-            </a:pPr>
-            <a:endParaRPr lang="en-US" altLang="ja-JP" sz="1600" dirty="0" smtClean="0">
-              <a:latin typeface="+mj-lt"/>
-              <a:ea typeface="+mj-ea"/>
-              <a:cs typeface="+mj-cs"/>
-            </a:endParaRPr>
-          </a:p>
-          <a:p>
-            <a:pPr marL="0" marR="0" lvl="0" indent="0" defTabSz="914400" rtl="0" eaLnBrk="1" fontAlgn="t" latinLnBrk="0" hangingPunct="1">
-              <a:lnSpc>
-                <a:spcPct val="100000"/>
-              </a:lnSpc>
-              <a:spcBef>
-                <a:spcPct val="0"/>
-              </a:spcBef>
-              <a:spcAft>
-                <a:spcPts val="0"/>
-              </a:spcAft>
-              <a:buClrTx/>
-              <a:buSzTx/>
-              <a:buFontTx/>
-              <a:buNone/>
-              <a:tabLst/>
-              <a:defRPr/>
-            </a:pPr>
-            <a:r>
-              <a:rPr kumimoji="1" lang="ja-JP" altLang="en-US" sz="1600" i="0" u="none" strike="noStrike" kern="1200" cap="none" spc="0" normalizeH="0" baseline="0" noProof="0" dirty="0" smtClean="0">
-                <a:ln>
-                  <a:noFill/>
-                </a:ln>
-                <a:solidFill>
-                  <a:schemeClr val="tx1"/>
-                </a:solidFill>
-                <a:effectLst/>
-                <a:uLnTx/>
-                <a:uFillTx/>
-                <a:latin typeface="+mj-lt"/>
-                <a:ea typeface="+mj-ea"/>
-                <a:cs typeface="+mj-cs"/>
-              </a:rPr>
-              <a:t>・外部のライブラリ、ツールを使用した開発では、ロジックがブラックボックス化するため、</a:t>
-            </a:r>
-            <a:endParaRPr kumimoji="1" lang="en-US" altLang="ja-JP" sz="1600" i="0" u="none" strike="noStrike" kern="1200" cap="none" spc="0" normalizeH="0" baseline="0" noProof="0" dirty="0" smtClean="0">
-              <a:ln>
-                <a:noFill/>
-              </a:ln>
-              <a:solidFill>
-                <a:schemeClr val="tx1"/>
-              </a:solidFill>
-              <a:effectLst/>
-              <a:uLnTx/>
-              <a:uFillTx/>
-              <a:latin typeface="+mj-lt"/>
-              <a:ea typeface="+mj-ea"/>
-              <a:cs typeface="+mj-cs"/>
-            </a:endParaRPr>
-          </a:p>
-          <a:p>
-            <a:pPr marL="0" marR="0" lvl="0" indent="0" defTabSz="914400" rtl="0" eaLnBrk="1" fontAlgn="t" latinLnBrk="0" hangingPunct="1">
-              <a:lnSpc>
-                <a:spcPct val="100000"/>
-              </a:lnSpc>
-              <a:spcBef>
-                <a:spcPct val="0"/>
-              </a:spcBef>
-              <a:spcAft>
-                <a:spcPts val="0"/>
-              </a:spcAft>
-              <a:buClrTx/>
-              <a:buSzTx/>
-              <a:buFontTx/>
-              <a:buNone/>
-              <a:tabLst/>
-              <a:defRPr/>
-            </a:pPr>
-            <a:r>
-              <a:rPr lang="ja-JP" altLang="en-US" sz="1600" dirty="0">
-                <a:latin typeface="+mj-lt"/>
-                <a:ea typeface="+mj-ea"/>
-                <a:cs typeface="+mj-cs"/>
-              </a:rPr>
-              <a:t>　</a:t>
-            </a:r>
-            <a:r>
-              <a:rPr lang="ja-JP" altLang="en-US" sz="1600" dirty="0" smtClean="0">
-                <a:latin typeface="+mj-lt"/>
-                <a:ea typeface="+mj-ea"/>
-                <a:cs typeface="+mj-cs"/>
-              </a:rPr>
-              <a:t>精度の向上には限界がある。</a:t>
-            </a:r>
-            <a:endParaRPr lang="en-US" altLang="ja-JP" sz="1600" dirty="0" smtClean="0">
-              <a:latin typeface="+mj-lt"/>
-              <a:ea typeface="+mj-ea"/>
-              <a:cs typeface="+mj-cs"/>
-            </a:endParaRPr>
-          </a:p>
-          <a:p>
-            <a:pPr marL="0" marR="0" lvl="0" indent="0" defTabSz="914400" rtl="0" eaLnBrk="1" fontAlgn="t" latinLnBrk="0" hangingPunct="1">
-              <a:lnSpc>
-                <a:spcPct val="100000"/>
-              </a:lnSpc>
-              <a:spcBef>
-                <a:spcPct val="0"/>
-              </a:spcBef>
-              <a:spcAft>
-                <a:spcPts val="0"/>
-              </a:spcAft>
-              <a:buClrTx/>
-              <a:buSzTx/>
-              <a:buFontTx/>
-              <a:buNone/>
-              <a:tabLst/>
-              <a:defRPr/>
-            </a:pPr>
-            <a:endParaRPr lang="en-US" altLang="ja-JP" sz="1600" dirty="0" smtClean="0">
-              <a:latin typeface="+mj-lt"/>
-              <a:ea typeface="+mj-ea"/>
-              <a:cs typeface="+mj-cs"/>
-            </a:endParaRPr>
-          </a:p>
-          <a:p>
-            <a:pPr marL="0" marR="0" lvl="0" indent="0" defTabSz="914400" rtl="0" eaLnBrk="1" fontAlgn="t" latinLnBrk="0" hangingPunct="1">
-              <a:lnSpc>
-                <a:spcPct val="100000"/>
-              </a:lnSpc>
-              <a:spcBef>
-                <a:spcPct val="0"/>
-              </a:spcBef>
-              <a:spcAft>
-                <a:spcPts val="0"/>
-              </a:spcAft>
-              <a:buClrTx/>
-              <a:buSzTx/>
-              <a:buFontTx/>
-              <a:buNone/>
-              <a:tabLst/>
-              <a:defRPr/>
-            </a:pPr>
-            <a:r>
-              <a:rPr kumimoji="1" lang="ja-JP" altLang="en-US" sz="1600" i="0" u="none" strike="noStrike" kern="1200" cap="none" spc="0" normalizeH="0" baseline="0" noProof="0" dirty="0">
-                <a:ln>
-                  <a:noFill/>
-                </a:ln>
-                <a:solidFill>
-                  <a:schemeClr val="tx1"/>
-                </a:solidFill>
-                <a:effectLst/>
-                <a:uLnTx/>
-                <a:uFillTx/>
-                <a:latin typeface="+mj-lt"/>
-                <a:ea typeface="+mj-ea"/>
-                <a:cs typeface="+mj-cs"/>
-              </a:rPr>
-              <a:t>　</a:t>
-            </a:r>
-            <a:r>
-              <a:rPr kumimoji="1" lang="ja-JP" altLang="en-US" sz="1600" i="0" u="none" strike="noStrike" kern="1200" cap="none" spc="0" normalizeH="0" baseline="0" noProof="0" dirty="0" smtClean="0">
-                <a:ln>
-                  <a:noFill/>
-                </a:ln>
-                <a:solidFill>
-                  <a:schemeClr val="tx1"/>
-                </a:solidFill>
-                <a:effectLst/>
-                <a:uLnTx/>
-                <a:uFillTx/>
-                <a:latin typeface="+mj-lt"/>
-                <a:ea typeface="+mj-ea"/>
-                <a:cs typeface="+mj-cs"/>
-              </a:rPr>
-              <a:t>　⇒有力なライブラリの使用法、仕様については知見を蓄積するひつようがある。</a:t>
-            </a:r>
-            <a:endParaRPr kumimoji="1" lang="en-US" altLang="ja-JP" sz="1600" i="0" u="none" strike="noStrike" kern="1200" cap="none" spc="0" normalizeH="0" baseline="0" noProof="0" dirty="0" smtClean="0">
-              <a:ln>
-                <a:noFill/>
-              </a:ln>
-              <a:solidFill>
-                <a:schemeClr val="tx1"/>
-              </a:solidFill>
-              <a:effectLst/>
-              <a:uLnTx/>
-              <a:uFillTx/>
-              <a:latin typeface="+mj-lt"/>
-              <a:ea typeface="+mj-ea"/>
-              <a:cs typeface="+mj-cs"/>
-            </a:endParaRPr>
-          </a:p>
-          <a:p>
-            <a:pPr marL="0" marR="0" lvl="0" indent="0" defTabSz="914400" rtl="0" eaLnBrk="1" fontAlgn="t" latinLnBrk="0" hangingPunct="1">
-              <a:lnSpc>
-                <a:spcPct val="100000"/>
-              </a:lnSpc>
-              <a:spcBef>
-                <a:spcPct val="0"/>
-              </a:spcBef>
-              <a:spcAft>
-                <a:spcPts val="0"/>
-              </a:spcAft>
-              <a:buClrTx/>
-              <a:buSzTx/>
-              <a:buFontTx/>
-              <a:buNone/>
-              <a:tabLst/>
-              <a:defRPr/>
-            </a:pPr>
-            <a:r>
-              <a:rPr lang="ja-JP" altLang="en-US" sz="1600" dirty="0">
-                <a:latin typeface="+mj-lt"/>
-                <a:ea typeface="+mj-ea"/>
-                <a:cs typeface="+mj-cs"/>
-              </a:rPr>
-              <a:t>　</a:t>
-            </a:r>
-            <a:r>
-              <a:rPr lang="ja-JP" altLang="en-US" sz="1600" dirty="0" smtClean="0">
-                <a:latin typeface="+mj-lt"/>
-                <a:ea typeface="+mj-ea"/>
-                <a:cs typeface="+mj-cs"/>
-              </a:rPr>
-              <a:t>　　 ルールベースのロジックを基にし、ライブラリ等の使用を抑制する方が効率的な場合もある。</a:t>
-            </a:r>
-            <a:endParaRPr lang="en-US" altLang="ja-JP" sz="1600" dirty="0" smtClean="0">
+            <a:endParaRPr lang="en-US" altLang="ja-JP" sz="1600" dirty="0">
               <a:latin typeface="+mj-lt"/>
               <a:ea typeface="+mj-ea"/>
               <a:cs typeface="+mj-cs"/>
@@ -9901,14 +9774,32 @@
               <a:defRPr/>
             </a:pPr>
             <a:r>
-              <a:rPr lang="ja-JP" altLang="en-US" sz="1600" dirty="0" smtClean="0">
+              <a:rPr kumimoji="1" lang="ja-JP" altLang="en-US" sz="1600" i="0" u="none" strike="noStrike" kern="1200" cap="none" spc="0" normalizeH="0" baseline="0" noProof="0" dirty="0">
+                <a:ln>
+                  <a:noFill/>
+                </a:ln>
+                <a:solidFill>
+                  <a:schemeClr val="tx1"/>
+                </a:solidFill>
+                <a:effectLst/>
+                <a:uLnTx/>
+                <a:uFillTx/>
                 <a:latin typeface="+mj-lt"/>
                 <a:ea typeface="+mj-ea"/>
                 <a:cs typeface="+mj-cs"/>
               </a:rPr>
-              <a:t>・汎用性を持たせた一般的な仕様を目指す開発方針より、データの特性に合わせてカスタマイズ</a:t>
-            </a:r>
-            <a:endParaRPr lang="en-US" altLang="ja-JP" sz="1600" dirty="0" smtClean="0">
+              <a:t>・外部のライブラリ、ツールを使用した開発では、ロジックがブラックボックス化するため、</a:t>
+            </a:r>
+            <a:endParaRPr kumimoji="1" lang="en-US" altLang="ja-JP" sz="1600" i="0" u="none" strike="noStrike" kern="1200" cap="none" spc="0" normalizeH="0" baseline="0" noProof="0" dirty="0">
+              <a:ln>
+                <a:noFill/>
+              </a:ln>
+              <a:solidFill>
+                <a:schemeClr val="tx1"/>
+              </a:solidFill>
+              <a:effectLst/>
+              <a:uLnTx/>
+              <a:uFillTx/>
               <a:latin typeface="+mj-lt"/>
               <a:ea typeface="+mj-ea"/>
               <a:cs typeface="+mj-cs"/>
@@ -9938,17 +9829,203 @@
                 <a:ea typeface="+mj-ea"/>
                 <a:cs typeface="+mj-cs"/>
               </a:rPr>
-              <a:t>　</a:t>
-            </a:r>
-            <a:r>
-              <a:rPr lang="ja-JP" altLang="en-US" sz="1600" dirty="0" smtClean="0">
+              <a:t>　精度の向上には限界がある。</a:t>
+            </a:r>
+            <a:endParaRPr lang="en-US" altLang="ja-JP" sz="1600" dirty="0">
+              <a:latin typeface="+mj-lt"/>
+              <a:ea typeface="+mj-ea"/>
+              <a:cs typeface="+mj-cs"/>
+            </a:endParaRPr>
+          </a:p>
+          <a:p>
+            <a:pPr marL="0" marR="0" lvl="0" indent="0" defTabSz="914400" rtl="0" eaLnBrk="1" fontAlgn="t" latinLnBrk="0" hangingPunct="1">
+              <a:lnSpc>
+                <a:spcPct val="100000"/>
+              </a:lnSpc>
+              <a:spcBef>
+                <a:spcPct val="0"/>
+              </a:spcBef>
+              <a:spcAft>
+                <a:spcPts val="0"/>
+              </a:spcAft>
+              <a:buClrTx/>
+              <a:buSzTx/>
+              <a:buFontTx/>
+              <a:buNone/>
+              <a:tabLst/>
+              <a:defRPr/>
+            </a:pPr>
+            <a:endParaRPr lang="en-US" altLang="ja-JP" sz="1600" dirty="0">
+              <a:latin typeface="+mj-lt"/>
+              <a:ea typeface="+mj-ea"/>
+              <a:cs typeface="+mj-cs"/>
+            </a:endParaRPr>
+          </a:p>
+          <a:p>
+            <a:pPr marL="0" marR="0" lvl="0" indent="0" defTabSz="914400" rtl="0" eaLnBrk="1" fontAlgn="t" latinLnBrk="0" hangingPunct="1">
+              <a:lnSpc>
+                <a:spcPct val="100000"/>
+              </a:lnSpc>
+              <a:spcBef>
+                <a:spcPct val="0"/>
+              </a:spcBef>
+              <a:spcAft>
+                <a:spcPts val="0"/>
+              </a:spcAft>
+              <a:buClrTx/>
+              <a:buSzTx/>
+              <a:buFontTx/>
+              <a:buNone/>
+              <a:tabLst/>
+              <a:defRPr/>
+            </a:pPr>
+            <a:r>
+              <a:rPr kumimoji="1" lang="ja-JP" altLang="en-US" sz="1600" i="0" u="none" strike="noStrike" kern="1200" cap="none" spc="0" normalizeH="0" baseline="0" noProof="0" dirty="0">
+                <a:ln>
+                  <a:noFill/>
+                </a:ln>
+                <a:solidFill>
+                  <a:schemeClr val="tx1"/>
+                </a:solidFill>
+                <a:effectLst/>
+                <a:uLnTx/>
+                <a:uFillTx/>
                 <a:latin typeface="+mj-lt"/>
                 <a:ea typeface="+mj-ea"/>
                 <a:cs typeface="+mj-cs"/>
               </a:rPr>
-              <a:t>する開発方針の方が成果が出し易いことがある。</a:t>
-            </a:r>
-            <a:endParaRPr lang="en-US" altLang="ja-JP" sz="1600" dirty="0" smtClean="0">
+              <a:t>　　⇒有力なライブラリの使用法、仕様については知見を蓄積するひつようがある。</a:t>
+            </a:r>
+            <a:endParaRPr kumimoji="1" lang="en-US" altLang="ja-JP" sz="1600" i="0" u="none" strike="noStrike" kern="1200" cap="none" spc="0" normalizeH="0" baseline="0" noProof="0" dirty="0">
+              <a:ln>
+                <a:noFill/>
+              </a:ln>
+              <a:solidFill>
+                <a:schemeClr val="tx1"/>
+              </a:solidFill>
+              <a:effectLst/>
+              <a:uLnTx/>
+              <a:uFillTx/>
+              <a:latin typeface="+mj-lt"/>
+              <a:ea typeface="+mj-ea"/>
+              <a:cs typeface="+mj-cs"/>
+            </a:endParaRPr>
+          </a:p>
+          <a:p>
+            <a:pPr marL="0" marR="0" lvl="0" indent="0" defTabSz="914400" rtl="0" eaLnBrk="1" fontAlgn="t" latinLnBrk="0" hangingPunct="1">
+              <a:lnSpc>
+                <a:spcPct val="100000"/>
+              </a:lnSpc>
+              <a:spcBef>
+                <a:spcPct val="0"/>
+              </a:spcBef>
+              <a:spcAft>
+                <a:spcPts val="0"/>
+              </a:spcAft>
+              <a:buClrTx/>
+              <a:buSzTx/>
+              <a:buFontTx/>
+              <a:buNone/>
+              <a:tabLst/>
+              <a:defRPr/>
+            </a:pPr>
+            <a:r>
+              <a:rPr lang="ja-JP" altLang="en-US" sz="1600" dirty="0">
+                <a:latin typeface="+mj-lt"/>
+                <a:ea typeface="+mj-ea"/>
+                <a:cs typeface="+mj-cs"/>
+              </a:rPr>
+              <a:t>　　　 ルールベースのロジックを基にし、ライブラリ等の使用を抑制する方が効率的な場合もある。</a:t>
+            </a:r>
+            <a:endParaRPr lang="en-US" altLang="ja-JP" sz="1600" dirty="0">
+              <a:latin typeface="+mj-lt"/>
+              <a:ea typeface="+mj-ea"/>
+              <a:cs typeface="+mj-cs"/>
+            </a:endParaRPr>
+          </a:p>
+          <a:p>
+            <a:pPr marL="0" marR="0" lvl="0" indent="0" defTabSz="914400" rtl="0" eaLnBrk="1" fontAlgn="t" latinLnBrk="0" hangingPunct="1">
+              <a:lnSpc>
+                <a:spcPct val="100000"/>
+              </a:lnSpc>
+              <a:spcBef>
+                <a:spcPct val="0"/>
+              </a:spcBef>
+              <a:spcAft>
+                <a:spcPts val="0"/>
+              </a:spcAft>
+              <a:buClrTx/>
+              <a:buSzTx/>
+              <a:buFontTx/>
+              <a:buNone/>
+              <a:tabLst/>
+              <a:defRPr/>
+            </a:pPr>
+            <a:endParaRPr lang="en-US" altLang="ja-JP" sz="1600" dirty="0">
+              <a:latin typeface="+mj-lt"/>
+              <a:ea typeface="+mj-ea"/>
+              <a:cs typeface="+mj-cs"/>
+            </a:endParaRPr>
+          </a:p>
+          <a:p>
+            <a:pPr marL="0" marR="0" lvl="0" indent="0" defTabSz="914400" rtl="0" eaLnBrk="1" fontAlgn="t" latinLnBrk="0" hangingPunct="1">
+              <a:lnSpc>
+                <a:spcPct val="100000"/>
+              </a:lnSpc>
+              <a:spcBef>
+                <a:spcPct val="0"/>
+              </a:spcBef>
+              <a:spcAft>
+                <a:spcPts val="0"/>
+              </a:spcAft>
+              <a:buClrTx/>
+              <a:buSzTx/>
+              <a:buFontTx/>
+              <a:buNone/>
+              <a:tabLst/>
+              <a:defRPr/>
+            </a:pPr>
+            <a:r>
+              <a:rPr lang="ja-JP" altLang="en-US" sz="1600" dirty="0">
+                <a:latin typeface="+mj-lt"/>
+                <a:ea typeface="+mj-ea"/>
+                <a:cs typeface="+mj-cs"/>
+              </a:rPr>
+              <a:t>・汎用性を持たせた一般的な仕様を目指す開発方針より、データの特性に合わせてカスタマイズ</a:t>
+            </a:r>
+            <a:endParaRPr lang="en-US" altLang="ja-JP" sz="1600" dirty="0">
+              <a:latin typeface="+mj-lt"/>
+              <a:ea typeface="+mj-ea"/>
+              <a:cs typeface="+mj-cs"/>
+            </a:endParaRPr>
+          </a:p>
+          <a:p>
+            <a:pPr marL="0" marR="0" lvl="0" indent="0" defTabSz="914400" rtl="0" eaLnBrk="1" fontAlgn="t" latinLnBrk="0" hangingPunct="1">
+              <a:lnSpc>
+                <a:spcPct val="100000"/>
+              </a:lnSpc>
+              <a:spcBef>
+                <a:spcPct val="0"/>
+              </a:spcBef>
+              <a:spcAft>
+                <a:spcPts val="0"/>
+              </a:spcAft>
+              <a:buClrTx/>
+              <a:buSzTx/>
+              <a:buFontTx/>
+              <a:buNone/>
+              <a:tabLst/>
+              <a:defRPr/>
+            </a:pPr>
+            <a:r>
+              <a:rPr lang="ja-JP" altLang="en-US" sz="1600" dirty="0">
+                <a:latin typeface="+mj-lt"/>
+                <a:ea typeface="+mj-ea"/>
+                <a:cs typeface="+mj-cs"/>
+              </a:rPr>
+              <a:t>　する開発方針の方が成果が出し易いことがある。</a:t>
+            </a:r>
+            <a:endParaRPr lang="en-US" altLang="ja-JP" sz="1600" dirty="0">
               <a:latin typeface="+mj-lt"/>
               <a:ea typeface="+mj-ea"/>
               <a:cs typeface="+mj-cs"/>
